--- a/Lec_2.pptx
+++ b/Lec_2.pptx
@@ -236,7 +236,7 @@
 <file path=ppt/revisionInfo.xml><?xml version="1.0" encoding="utf-8"?>
 <p1510:revInfo xmlns:a="http://schemas.openxmlformats.org/drawingml/2006/main" xmlns:r="http://schemas.openxmlformats.org/officeDocument/2006/relationships" xmlns:p1510="http://schemas.microsoft.com/office/powerpoint/2015/10/main">
   <p1510:revLst>
-    <p1510:client id="{BC131937-4364-4E97-B998-76387A8A313F}" v="1" dt="2023-03-30T20:48:51.476"/>
+    <p1510:client id="{5D5F54C9-BD38-49B9-B6B2-EA93D1FE6D19}" v="1" dt="2023-04-04T03:59:22.014"/>
   </p1510:revLst>
 </p1510:revInfo>
 </file>
@@ -336,7 +336,7 @@
               <a:pPr>
                 <a:defRPr/>
               </a:pPr>
-              <a:t>3/31/2023</a:t>
+              <a:t>4/4/2023</a:t>
             </a:fld>
             <a:endParaRPr lang="en-US"/>
           </a:p>
@@ -527,7 +527,7 @@
               <a:pPr>
                 <a:defRPr/>
               </a:pPr>
-              <a:t>3/31/2023</a:t>
+              <a:t>4/4/2023</a:t>
             </a:fld>
             <a:endParaRPr lang="en-US"/>
           </a:p>
@@ -2647,7 +2647,7 @@
             </a:pPr>
             <a:fld id="{09F8CC9C-84F8-40DE-8072-8418EEAB0285}" type="datetime3">
               <a:rPr lang="en-US" smtClean="0"/>
-              <a:t>31 March 2023</a:t>
+              <a:t>4 April 2023</a:t>
             </a:fld>
             <a:endParaRPr lang="en-US"/>
           </a:p>
@@ -2857,7 +2857,7 @@
             </a:pPr>
             <a:fld id="{716D55AE-634D-4C1B-8690-AC1D7DE7B5BE}" type="datetime3">
               <a:rPr lang="en-US" smtClean="0"/>
-              <a:t>31 March 2023</a:t>
+              <a:t>4 April 2023</a:t>
             </a:fld>
             <a:endParaRPr lang="en-US"/>
           </a:p>
@@ -3071,7 +3071,7 @@
             </a:pPr>
             <a:fld id="{FC5FEC6E-2813-41AC-AFD2-1BB4F76C4C42}" type="datetime3">
               <a:rPr lang="en-US" smtClean="0"/>
-              <a:t>31 March 2023</a:t>
+              <a:t>4 April 2023</a:t>
             </a:fld>
             <a:endParaRPr lang="en-US"/>
           </a:p>
@@ -3341,7 +3341,7 @@
             </a:pPr>
             <a:fld id="{47601248-B7BA-4226-AE39-676FAFBA4435}" type="datetime3">
               <a:rPr lang="en-US" smtClean="0"/>
-              <a:t>31 March 2023</a:t>
+              <a:t>4 April 2023</a:t>
             </a:fld>
             <a:endParaRPr lang="en-US"/>
           </a:p>
@@ -3667,7 +3667,7 @@
             </a:pPr>
             <a:fld id="{75917CBA-66F1-4240-B43C-9C76CBF5B267}" type="datetime3">
               <a:rPr lang="en-US" smtClean="0"/>
-              <a:t>31 March 2023</a:t>
+              <a:t>4 April 2023</a:t>
             </a:fld>
             <a:endParaRPr lang="en-US"/>
           </a:p>
@@ -3854,7 +3854,7 @@
             </a:pPr>
             <a:fld id="{4A83CA73-0BFC-4EA3-BF88-0A7EFA16E2AD}" type="datetime3">
               <a:rPr lang="en-US" smtClean="0"/>
-              <a:t>31 March 2023</a:t>
+              <a:t>4 April 2023</a:t>
             </a:fld>
             <a:endParaRPr lang="en-US"/>
           </a:p>
@@ -4058,7 +4058,7 @@
             </a:pPr>
             <a:fld id="{E84513CC-386E-465A-BA6A-30F6981BE159}" type="datetime3">
               <a:rPr lang="en-US" smtClean="0"/>
-              <a:t>31 March 2023</a:t>
+              <a:t>4 April 2023</a:t>
             </a:fld>
             <a:endParaRPr lang="en-US"/>
           </a:p>
@@ -4285,7 +4285,7 @@
             </a:pPr>
             <a:fld id="{69C60E08-14DF-4CC3-9FDE-CF7B231AFBD8}" type="datetime3">
               <a:rPr lang="en-US" smtClean="0"/>
-              <a:t>31 March 2023</a:t>
+              <a:t>4 April 2023</a:t>
             </a:fld>
             <a:endParaRPr lang="en-US"/>
           </a:p>
@@ -4606,7 +4606,7 @@
             </a:pPr>
             <a:fld id="{9AE376AB-52E6-4ECC-81F8-F519C015FFCD}" type="datetime3">
               <a:rPr lang="en-US" smtClean="0"/>
-              <a:t>31 March 2023</a:t>
+              <a:t>4 April 2023</a:t>
             </a:fld>
             <a:endParaRPr lang="en-US"/>
           </a:p>
@@ -5066,7 +5066,7 @@
             </a:pPr>
             <a:fld id="{8CD96E5A-2F28-43E6-9810-21E990481036}" type="datetime3">
               <a:rPr lang="en-US" smtClean="0"/>
-              <a:t>31 March 2023</a:t>
+              <a:t>4 April 2023</a:t>
             </a:fld>
             <a:endParaRPr lang="en-US"/>
           </a:p>
@@ -5219,7 +5219,7 @@
             </a:pPr>
             <a:fld id="{C94AA14A-B3C0-4F6A-9ECD-D50E54560BF4}" type="datetime3">
               <a:rPr lang="en-US" smtClean="0"/>
-              <a:t>31 March 2023</a:t>
+              <a:t>4 April 2023</a:t>
             </a:fld>
             <a:endParaRPr lang="en-US"/>
           </a:p>
@@ -5350,7 +5350,7 @@
             </a:pPr>
             <a:fld id="{2DF9D6B0-2C09-47F5-8733-DDB6D3B95B5B}" type="datetime3">
               <a:rPr lang="en-US" smtClean="0"/>
-              <a:t>31 March 2023</a:t>
+              <a:t>4 April 2023</a:t>
             </a:fld>
             <a:endParaRPr lang="en-US"/>
           </a:p>
@@ -5661,7 +5661,7 @@
             </a:pPr>
             <a:fld id="{FE51208B-D869-4FEE-B747-98C7BABACDFD}" type="datetime3">
               <a:rPr lang="en-US" smtClean="0"/>
-              <a:t>31 March 2023</a:t>
+              <a:t>4 April 2023</a:t>
             </a:fld>
             <a:endParaRPr lang="en-US"/>
           </a:p>
@@ -5950,7 +5950,7 @@
             </a:pPr>
             <a:fld id="{A3DBA343-2E60-4640-801C-3DC38DEBAD4C}" type="datetime3">
               <a:rPr lang="en-US" smtClean="0"/>
-              <a:t>31 March 2023</a:t>
+              <a:t>4 April 2023</a:t>
             </a:fld>
             <a:endParaRPr lang="en-US"/>
           </a:p>
@@ -6341,7 +6341,7 @@
             </a:pPr>
             <a:fld id="{CABEC362-8481-4E91-9909-6D6E193E08BE}" type="datetime3">
               <a:rPr lang="en-US" smtClean="0"/>
-              <a:t>31 March 2023</a:t>
+              <a:t>4 April 2023</a:t>
             </a:fld>
             <a:endParaRPr lang="en-US"/>
           </a:p>
@@ -7967,7 +7967,7 @@
             </a:pPr>
             <a:fld id="{95048985-04BF-4E44-AD19-D0D3F0603289}" type="datetime3">
               <a:rPr lang="en-US" smtClean="0"/>
-              <a:t>31 March 2023</a:t>
+              <a:t>4 April 2023</a:t>
             </a:fld>
             <a:endParaRPr lang="en-US"/>
           </a:p>
@@ -8063,7 +8063,7 @@
             </a:pPr>
             <a:fld id="{E84513CC-386E-465A-BA6A-30F6981BE159}" type="datetime3">
               <a:rPr lang="en-US" smtClean="0"/>
-              <a:t>31 March 2023</a:t>
+              <a:t>4 April 2023</a:t>
             </a:fld>
             <a:endParaRPr lang="en-US"/>
           </a:p>
@@ -8423,7 +8423,7 @@
             </a:pPr>
             <a:fld id="{AD34042D-3D9D-4FC6-9B98-A2348A3B1F55}" type="datetime3">
               <a:rPr lang="en-US" smtClean="0"/>
-              <a:t>31 March 2023</a:t>
+              <a:t>4 April 2023</a:t>
             </a:fld>
             <a:endParaRPr lang="en-US"/>
           </a:p>
@@ -8981,7 +8981,7 @@
             </a:pPr>
             <a:fld id="{F88D8068-8654-4924-9BD1-7CDF87CD92A5}" type="datetime3">
               <a:rPr lang="en-US" smtClean="0"/>
-              <a:t>31 March 2023</a:t>
+              <a:t>4 April 2023</a:t>
             </a:fld>
             <a:endParaRPr lang="en-US"/>
           </a:p>
@@ -9405,7 +9405,7 @@
             </a:pPr>
             <a:fld id="{F2DD698F-3BD9-418E-A792-7D377A113FB1}" type="datetime3">
               <a:rPr lang="en-US" smtClean="0"/>
-              <a:t>31 March 2023</a:t>
+              <a:t>4 April 2023</a:t>
             </a:fld>
             <a:endParaRPr lang="en-US"/>
           </a:p>
@@ -9501,7 +9501,7 @@
             </a:pPr>
             <a:fld id="{E84513CC-386E-465A-BA6A-30F6981BE159}" type="datetime3">
               <a:rPr lang="en-US" smtClean="0"/>
-              <a:t>31 March 2023</a:t>
+              <a:t>4 April 2023</a:t>
             </a:fld>
             <a:endParaRPr lang="en-US"/>
           </a:p>
@@ -10205,7 +10205,7 @@
             </a:pPr>
             <a:fld id="{39FACAE6-9AE1-4F0B-B5CC-4BF41824B418}" type="datetime3">
               <a:rPr lang="en-US" smtClean="0"/>
-              <a:t>31 March 2023</a:t>
+              <a:t>4 April 2023</a:t>
             </a:fld>
             <a:endParaRPr lang="en-US"/>
           </a:p>
@@ -11646,7 +11646,7 @@
             </a:pPr>
             <a:fld id="{ADB65D6C-4348-4AC0-9BFF-00B252066DF6}" type="datetime3">
               <a:rPr lang="en-US" smtClean="0"/>
-              <a:t>31 March 2023</a:t>
+              <a:t>4 April 2023</a:t>
             </a:fld>
             <a:endParaRPr lang="en-US"/>
           </a:p>
@@ -11870,7 +11870,7 @@
             </a:pPr>
             <a:fld id="{EE124259-3191-46DA-AA9A-852595855449}" type="datetime3">
               <a:rPr lang="en-US" smtClean="0"/>
-              <a:t>31 March 2023</a:t>
+              <a:t>4 April 2023</a:t>
             </a:fld>
             <a:endParaRPr lang="en-US"/>
           </a:p>
@@ -12849,7 +12849,7 @@
             </a:pPr>
             <a:fld id="{B6F2AD38-D8BE-4BB7-BB5D-2984C81D5B9C}" type="datetime3">
               <a:rPr lang="en-US" smtClean="0"/>
-              <a:t>31 March 2023</a:t>
+              <a:t>4 April 2023</a:t>
             </a:fld>
             <a:endParaRPr lang="en-US"/>
           </a:p>
@@ -13095,7 +13095,7 @@
             </a:pPr>
             <a:fld id="{0EB6E69A-E8EE-4A35-B1E2-0DA7D146084C}" type="datetime3">
               <a:rPr lang="en-US" smtClean="0"/>
-              <a:t>31 March 2023</a:t>
+              <a:t>4 April 2023</a:t>
             </a:fld>
             <a:endParaRPr lang="en-US"/>
           </a:p>
@@ -13345,7 +13345,7 @@
             </a:pPr>
             <a:fld id="{E9EF4D00-61EE-4569-A1E2-EA8BC7728858}" type="datetime3">
               <a:rPr lang="en-US" smtClean="0"/>
-              <a:t>31 March 2023</a:t>
+              <a:t>4 April 2023</a:t>
             </a:fld>
             <a:endParaRPr lang="en-US"/>
           </a:p>
@@ -13441,7 +13441,7 @@
             </a:pPr>
             <a:fld id="{E84513CC-386E-465A-BA6A-30F6981BE159}" type="datetime3">
               <a:rPr lang="en-US" smtClean="0"/>
-              <a:t>31 March 2023</a:t>
+              <a:t>4 April 2023</a:t>
             </a:fld>
             <a:endParaRPr lang="en-US"/>
           </a:p>
@@ -14169,7 +14169,7 @@
             </a:pPr>
             <a:fld id="{88CA511A-0CB3-4831-BDF9-10D3D1622EF6}" type="datetime3">
               <a:rPr lang="en-US" smtClean="0"/>
-              <a:t>31 March 2023</a:t>
+              <a:t>4 April 2023</a:t>
             </a:fld>
             <a:endParaRPr lang="en-US"/>
           </a:p>
@@ -15005,7 +15005,7 @@
             </a:pPr>
             <a:fld id="{3E1AA7E2-38AE-438C-8949-ABBD868B8326}" type="datetime3">
               <a:rPr lang="en-US" smtClean="0"/>
-              <a:t>31 March 2023</a:t>
+              <a:t>4 April 2023</a:t>
             </a:fld>
             <a:endParaRPr lang="en-US"/>
           </a:p>
@@ -15184,7 +15184,22 @@
                 <a:latin typeface="Times New Roman" panose="02020603050405020304" pitchFamily="18" charset="0"/>
                 <a:cs typeface="Times New Roman" panose="02020603050405020304" pitchFamily="18" charset="0"/>
               </a:rPr>
-              <a:t>Number of Takahe nests per hectare in regions where the bird is found.</a:t>
+              <a:t>Number of </a:t>
+            </a:r>
+            <a:r>
+              <a:rPr lang="en-NZ" sz="3200" dirty="0">
+                <a:latin typeface="Times New Roman" panose="02020603050405020304" pitchFamily="18" charset="0"/>
+                <a:cs typeface="Times New Roman" panose="02020603050405020304" pitchFamily="18" charset="0"/>
+                <a:hlinkClick r:id="rId3"/>
+              </a:rPr>
+              <a:t>Takahe</a:t>
+            </a:r>
+            <a:r>
+              <a:rPr lang="en-NZ" sz="3200" dirty="0">
+                <a:latin typeface="Times New Roman" panose="02020603050405020304" pitchFamily="18" charset="0"/>
+                <a:cs typeface="Times New Roman" panose="02020603050405020304" pitchFamily="18" charset="0"/>
+              </a:rPr>
+              <a:t> nests per hectare in regions where the bird is found.</a:t>
             </a:r>
           </a:p>
           <a:p>
@@ -15273,7 +15288,7 @@
           <p:nvPr/>
         </p:nvPicPr>
         <p:blipFill>
-          <a:blip r:embed="rId3" cstate="print">
+          <a:blip r:embed="rId4" cstate="print">
             <a:extLst>
               <a:ext uri="{28A0092B-C50C-407E-A947-70E740481C1C}">
                 <a14:useLocalDpi xmlns:a14="http://schemas.microsoft.com/office/drawing/2010/main" val="0"/>
@@ -15530,7 +15545,7 @@
             </a:pPr>
             <a:fld id="{6A1592CA-4315-4238-AD66-2149C2A8E6FC}" type="datetime3">
               <a:rPr lang="en-US" smtClean="0"/>
-              <a:t>31 March 2023</a:t>
+              <a:t>4 April 2023</a:t>
             </a:fld>
             <a:endParaRPr lang="en-US"/>
           </a:p>
@@ -15858,7 +15873,7 @@
             </a:pPr>
             <a:fld id="{1CF7A16D-5561-4894-B820-D1114137ADA5}" type="datetime3">
               <a:rPr lang="en-US" smtClean="0"/>
-              <a:t>31 March 2023</a:t>
+              <a:t>4 April 2023</a:t>
             </a:fld>
             <a:endParaRPr lang="en-US"/>
           </a:p>
@@ -16166,7 +16181,7 @@
             </a:pPr>
             <a:fld id="{E3388B9F-6703-4857-BB71-2C0F330A4C22}" type="datetime3">
               <a:rPr lang="en-US" smtClean="0"/>
-              <a:t>31 March 2023</a:t>
+              <a:t>4 April 2023</a:t>
             </a:fld>
             <a:endParaRPr lang="en-US"/>
           </a:p>
@@ -16726,7 +16741,7 @@
             </a:pPr>
             <a:fld id="{1B167F89-51DE-4E5A-9643-6D09BE10EC3C}" type="datetime3">
               <a:rPr lang="en-US" smtClean="0"/>
-              <a:t>31 March 2023</a:t>
+              <a:t>4 April 2023</a:t>
             </a:fld>
             <a:endParaRPr lang="en-US"/>
           </a:p>
@@ -16929,7 +16944,7 @@
             </a:pPr>
             <a:fld id="{1E7A21E6-A7EE-4EAE-B102-2A5E242977C6}" type="datetime3">
               <a:rPr lang="en-US" smtClean="0"/>
-              <a:t>31 March 2023</a:t>
+              <a:t>4 April 2023</a:t>
             </a:fld>
             <a:endParaRPr lang="en-US"/>
           </a:p>
@@ -17165,7 +17180,7 @@
             </a:pPr>
             <a:fld id="{B426EADD-E9EA-4B10-9F1D-599BEBF165AA}" type="datetime3">
               <a:rPr lang="en-US" smtClean="0"/>
-              <a:t>31 March 2023</a:t>
+              <a:t>4 April 2023</a:t>
             </a:fld>
             <a:endParaRPr lang="en-US"/>
           </a:p>
@@ -17331,7 +17346,7 @@
             </a:pPr>
             <a:fld id="{E5976918-E21D-4366-A99A-8F0C4B673D1F}" type="datetime3">
               <a:rPr lang="en-US" smtClean="0"/>
-              <a:t>31 March 2023</a:t>
+              <a:t>4 April 2023</a:t>
             </a:fld>
             <a:endParaRPr lang="en-US"/>
           </a:p>
@@ -17673,7 +17688,7 @@
             </a:pPr>
             <a:fld id="{EEB8F818-3AE2-49EE-A2AD-A9C1FD59581A}" type="datetime3">
               <a:rPr lang="en-US" smtClean="0"/>
-              <a:t>31 March 2023</a:t>
+              <a:t>4 April 2023</a:t>
             </a:fld>
             <a:endParaRPr lang="en-US"/>
           </a:p>
@@ -17811,7 +17826,7 @@
                   <p:embed/>
                   <p:pic>
                     <p:nvPicPr>
-                      <p:cNvPr id="0" name=""/>
+                      <p:cNvPr id="13314" name="Content Placeholder 9"/>
                       <p:cNvPicPr>
                         <a:picLocks noChangeAspect="1" noChangeArrowheads="1"/>
                       </p:cNvPicPr>
@@ -18144,7 +18159,7 @@
             </a:pPr>
             <a:fld id="{98CA9101-7B80-438D-B9F9-D90458832093}" type="datetime3">
               <a:rPr lang="en-US" smtClean="0"/>
-              <a:t>31 March 2023</a:t>
+              <a:t>4 April 2023</a:t>
             </a:fld>
             <a:endParaRPr lang="en-US"/>
           </a:p>
@@ -18422,7 +18437,7 @@
             </a:pPr>
             <a:fld id="{A353ED53-EFF6-4FE4-85A5-FAC6FA6431BF}" type="datetime3">
               <a:rPr lang="en-US" smtClean="0"/>
-              <a:t>31 March 2023</a:t>
+              <a:t>4 April 2023</a:t>
             </a:fld>
             <a:endParaRPr lang="en-US"/>
           </a:p>
@@ -18679,7 +18694,7 @@
             </a:pPr>
             <a:fld id="{5AB3E753-C921-4F16-BBD6-D8C2B0D6C0FA}" type="datetime3">
               <a:rPr lang="en-US" smtClean="0"/>
-              <a:t>31 March 2023</a:t>
+              <a:t>4 April 2023</a:t>
             </a:fld>
             <a:endParaRPr lang="en-US"/>
           </a:p>
@@ -20049,7 +20064,7 @@
             </a:pPr>
             <a:fld id="{B8962B9F-E6B6-432A-AA4C-8551F038804E}" type="datetime3">
               <a:rPr lang="en-US" smtClean="0"/>
-              <a:t>31 March 2023</a:t>
+              <a:t>4 April 2023</a:t>
             </a:fld>
             <a:endParaRPr lang="en-US"/>
           </a:p>
@@ -20206,7 +20221,7 @@
                   <p:embed/>
                   <p:pic>
                     <p:nvPicPr>
-                      <p:cNvPr id="0" name=""/>
+                      <p:cNvPr id="15362" name="Content Placeholder 9"/>
                       <p:cNvPicPr>
                         <a:picLocks noChangeAspect="1" noChangeArrowheads="1"/>
                       </p:cNvPicPr>
@@ -20381,7 +20396,7 @@
             </a:pPr>
             <a:fld id="{E6BFBD91-ED7F-45FC-B809-AC0E7C9C9CF3}" type="datetime3">
               <a:rPr lang="en-US" smtClean="0"/>
-              <a:t>31 March 2023</a:t>
+              <a:t>4 April 2023</a:t>
             </a:fld>
             <a:endParaRPr lang="en-US"/>
           </a:p>
@@ -20638,7 +20653,7 @@
             </a:pPr>
             <a:fld id="{70A7DE80-08CF-4BC0-B5E4-33AAC1BEC369}" type="datetime3">
               <a:rPr lang="en-US" smtClean="0"/>
-              <a:t>31 March 2023</a:t>
+              <a:t>4 April 2023</a:t>
             </a:fld>
             <a:endParaRPr lang="en-US"/>
           </a:p>
@@ -20862,7 +20877,7 @@
                   <p:embed/>
                   <p:pic>
                     <p:nvPicPr>
-                      <p:cNvPr id="0" name=""/>
+                      <p:cNvPr id="6" name="Object 5"/>
                       <p:cNvPicPr/>
                       <p:nvPr/>
                     </p:nvPicPr>
@@ -20919,7 +20934,7 @@
                   <p:embed/>
                   <p:pic>
                     <p:nvPicPr>
-                      <p:cNvPr id="0" name=""/>
+                      <p:cNvPr id="7" name="Object 6"/>
                       <p:cNvPicPr/>
                       <p:nvPr/>
                     </p:nvPicPr>
@@ -21024,7 +21039,7 @@
             </a:pPr>
             <a:fld id="{C755EF04-B0E8-45CA-91C9-E01B1BAF11A0}" type="datetime3">
               <a:rPr lang="en-US" smtClean="0"/>
-              <a:t>31 March 2023</a:t>
+              <a:t>4 April 2023</a:t>
             </a:fld>
             <a:endParaRPr lang="en-US"/>
           </a:p>
@@ -21185,7 +21200,7 @@
                   <p:embed/>
                   <p:pic>
                     <p:nvPicPr>
-                      <p:cNvPr id="0" name=""/>
+                      <p:cNvPr id="6" name="Object 5"/>
                       <p:cNvPicPr/>
                       <p:nvPr/>
                     </p:nvPicPr>
@@ -21242,7 +21257,7 @@
                   <p:embed/>
                   <p:pic>
                     <p:nvPicPr>
-                      <p:cNvPr id="0" name=""/>
+                      <p:cNvPr id="7" name="Object 6"/>
                       <p:cNvPicPr/>
                       <p:nvPr/>
                     </p:nvPicPr>
@@ -21323,7 +21338,7 @@
                   <p:embed/>
                   <p:pic>
                     <p:nvPicPr>
-                      <p:cNvPr id="0" name=""/>
+                      <p:cNvPr id="10" name="Object 9"/>
                       <p:cNvPicPr/>
                       <p:nvPr/>
                     </p:nvPicPr>
@@ -21404,7 +21419,7 @@
             </a:pPr>
             <a:fld id="{4967952A-FAC5-4532-A65B-61C08D7A309F}" type="datetime3">
               <a:rPr lang="en-US" smtClean="0"/>
-              <a:t>31 March 2023</a:t>
+              <a:t>4 April 2023</a:t>
             </a:fld>
             <a:endParaRPr lang="en-US"/>
           </a:p>
@@ -21645,7 +21660,7 @@
                   <p:embed/>
                   <p:pic>
                     <p:nvPicPr>
-                      <p:cNvPr id="0" name=""/>
+                      <p:cNvPr id="7" name="Object 6"/>
                       <p:cNvPicPr/>
                       <p:nvPr/>
                     </p:nvPicPr>
@@ -21726,7 +21741,7 @@
             </a:pPr>
             <a:fld id="{B8111191-3A4D-4B9C-A42F-94960EF056CE}" type="datetime3">
               <a:rPr lang="en-US" smtClean="0"/>
-              <a:t>31 March 2023</a:t>
+              <a:t>4 April 2023</a:t>
             </a:fld>
             <a:endParaRPr lang="en-US"/>
           </a:p>
@@ -21934,7 +21949,7 @@
                   <p:embed/>
                   <p:pic>
                     <p:nvPicPr>
-                      <p:cNvPr id="0" name=""/>
+                      <p:cNvPr id="7" name="Object 6"/>
                       <p:cNvPicPr/>
                       <p:nvPr/>
                     </p:nvPicPr>
@@ -21991,7 +22006,7 @@
                   <p:embed/>
                   <p:pic>
                     <p:nvPicPr>
-                      <p:cNvPr id="0" name=""/>
+                      <p:cNvPr id="8" name="Object 7"/>
                       <p:cNvPicPr/>
                       <p:nvPr/>
                     </p:nvPicPr>
@@ -22048,7 +22063,7 @@
                   <p:embed/>
                   <p:pic>
                     <p:nvPicPr>
-                      <p:cNvPr id="0" name=""/>
+                      <p:cNvPr id="9" name="Object 8"/>
                       <p:cNvPicPr/>
                       <p:nvPr/>
                     </p:nvPicPr>
@@ -22105,7 +22120,7 @@
                   <p:embed/>
                   <p:pic>
                     <p:nvPicPr>
-                      <p:cNvPr id="0" name=""/>
+                      <p:cNvPr id="10" name="Object 9"/>
                       <p:cNvPicPr/>
                       <p:nvPr/>
                     </p:nvPicPr>
@@ -22162,7 +22177,7 @@
                   <p:embed/>
                   <p:pic>
                     <p:nvPicPr>
-                      <p:cNvPr id="0" name=""/>
+                      <p:cNvPr id="11" name="Object 10"/>
                       <p:cNvPicPr/>
                       <p:nvPr/>
                     </p:nvPicPr>
@@ -22243,7 +22258,7 @@
             </a:pPr>
             <a:fld id="{5D897CCF-6D2F-4795-9715-E8C554639C8B}" type="datetime3">
               <a:rPr lang="en-US" smtClean="0"/>
-              <a:t>31 March 2023</a:t>
+              <a:t>4 April 2023</a:t>
             </a:fld>
             <a:endParaRPr lang="en-US"/>
           </a:p>
@@ -22479,7 +22494,7 @@
             </a:pPr>
             <a:fld id="{D0FA1C7F-455E-44F1-9B60-4F35947B313F}" type="datetime3">
               <a:rPr lang="en-US" smtClean="0"/>
-              <a:t>31 March 2023</a:t>
+              <a:t>4 April 2023</a:t>
             </a:fld>
             <a:endParaRPr lang="en-US"/>
           </a:p>
@@ -22658,7 +22673,7 @@
             </a:pPr>
             <a:fld id="{7C5C2DBB-6B56-42CD-916A-3425A3F1F19D}" type="datetime3">
               <a:rPr lang="en-US" smtClean="0"/>
-              <a:t>31 March 2023</a:t>
+              <a:t>4 April 2023</a:t>
             </a:fld>
             <a:endParaRPr lang="en-US"/>
           </a:p>
@@ -23510,7 +23525,7 @@
             </a:pPr>
             <a:fld id="{BF23377F-D136-4709-9F5F-D22F5476FF57}" type="datetime3">
               <a:rPr lang="en-US" smtClean="0"/>
-              <a:t>31 March 2023</a:t>
+              <a:t>4 April 2023</a:t>
             </a:fld>
             <a:endParaRPr lang="en-US"/>
           </a:p>
@@ -23897,7 +23912,7 @@
             </a:pPr>
             <a:fld id="{1DB100C2-340C-49A5-BBEB-11104182BC52}" type="datetime3">
               <a:rPr lang="en-US" smtClean="0"/>
-              <a:t>31 March 2023</a:t>
+              <a:t>4 April 2023</a:t>
             </a:fld>
             <a:endParaRPr lang="en-US"/>
           </a:p>
@@ -26167,7 +26182,7 @@
             </a:pPr>
             <a:fld id="{681C6843-FF4B-4CC3-9D83-019110DBFF94}" type="datetime3">
               <a:rPr lang="en-US" smtClean="0"/>
-              <a:t>31 March 2023</a:t>
+              <a:t>4 April 2023</a:t>
             </a:fld>
             <a:endParaRPr lang="en-US"/>
           </a:p>
@@ -26333,7 +26348,7 @@
             </a:pPr>
             <a:fld id="{5859AEBA-F6AB-49EE-8780-913E8CDDEBD0}" type="datetime3">
               <a:rPr lang="en-US" smtClean="0"/>
-              <a:t>31 March 2023</a:t>
+              <a:t>4 April 2023</a:t>
             </a:fld>
             <a:endParaRPr lang="en-US"/>
           </a:p>
@@ -27709,7 +27724,7 @@
             </a:pPr>
             <a:fld id="{6C663D29-D2DE-4479-9FDF-4B368715B6AE}" type="datetime3">
               <a:rPr lang="en-US" smtClean="0"/>
-              <a:t>31 March 2023</a:t>
+              <a:t>4 April 2023</a:t>
             </a:fld>
             <a:endParaRPr lang="en-US"/>
           </a:p>
@@ -27979,7 +27994,7 @@
                   <p:embed/>
                   <p:pic>
                     <p:nvPicPr>
-                      <p:cNvPr id="0" name=""/>
+                      <p:cNvPr id="6" name="Object 5"/>
                       <p:cNvPicPr/>
                       <p:nvPr/>
                     </p:nvPicPr>
@@ -28047,7 +28062,7 @@
                   <p:embed/>
                   <p:pic>
                     <p:nvPicPr>
-                      <p:cNvPr id="0" name=""/>
+                      <p:cNvPr id="7" name="Object 6"/>
                       <p:cNvPicPr/>
                       <p:nvPr/>
                     </p:nvPicPr>
@@ -28128,7 +28143,7 @@
             </a:pPr>
             <a:fld id="{B0E3FDB2-5DD5-4821-98FB-ECA873B556B4}" type="datetime3">
               <a:rPr lang="en-US" smtClean="0"/>
-              <a:t>31 March 2023</a:t>
+              <a:t>4 April 2023</a:t>
             </a:fld>
             <a:endParaRPr lang="en-US"/>
           </a:p>
@@ -28702,7 +28717,7 @@
             </a:pPr>
             <a:fld id="{16B337EE-166F-461B-A566-D134E32B6B92}" type="datetime3">
               <a:rPr lang="en-US" smtClean="0"/>
-              <a:t>31 March 2023</a:t>
+              <a:t>4 April 2023</a:t>
             </a:fld>
             <a:endParaRPr lang="en-US"/>
           </a:p>
@@ -28940,7 +28955,7 @@
             </a:pPr>
             <a:fld id="{545D380C-110E-4655-8835-703B86B52DC9}" type="datetime3">
               <a:rPr lang="en-US" smtClean="0"/>
-              <a:t>31 March 2023</a:t>
+              <a:t>4 April 2023</a:t>
             </a:fld>
             <a:endParaRPr lang="en-US"/>
           </a:p>
@@ -29139,7 +29154,7 @@
                   <p:embed/>
                   <p:pic>
                     <p:nvPicPr>
-                      <p:cNvPr id="0" name=""/>
+                      <p:cNvPr id="6" name="Object 5"/>
                       <p:cNvPicPr/>
                       <p:nvPr/>
                     </p:nvPicPr>
@@ -29196,7 +29211,7 @@
                   <p:embed/>
                   <p:pic>
                     <p:nvPicPr>
-                      <p:cNvPr id="0" name=""/>
+                      <p:cNvPr id="7" name="Object 6"/>
                       <p:cNvPicPr/>
                       <p:nvPr/>
                     </p:nvPicPr>
@@ -29277,7 +29292,7 @@
             </a:pPr>
             <a:fld id="{C76C4506-18BB-4DC3-9963-5B6B5D2C312A}" type="datetime3">
               <a:rPr lang="en-US" smtClean="0"/>
-              <a:t>31 March 2023</a:t>
+              <a:t>4 April 2023</a:t>
             </a:fld>
             <a:endParaRPr lang="en-US"/>
           </a:p>
@@ -29599,7 +29614,7 @@
             </a:pPr>
             <a:fld id="{7AF4293D-23FF-4BF9-B63D-5A2BD8C98BA0}" type="datetime3">
               <a:rPr lang="en-US" smtClean="0"/>
-              <a:t>31 March 2023</a:t>
+              <a:t>4 April 2023</a:t>
             </a:fld>
             <a:endParaRPr lang="en-US"/>
           </a:p>
@@ -29759,7 +29774,7 @@
             </a:pPr>
             <a:fld id="{0398B356-ECFE-46C8-901E-91268CB8326A}" type="datetime3">
               <a:rPr lang="en-US" smtClean="0"/>
-              <a:t>31 March 2023</a:t>
+              <a:t>4 April 2023</a:t>
             </a:fld>
             <a:endParaRPr lang="en-US"/>
           </a:p>
@@ -30155,7 +30170,7 @@
             </a:pPr>
             <a:fld id="{A135E72B-EC67-440E-B701-D870B3AE9BEA}" type="datetime3">
               <a:rPr lang="en-US" smtClean="0"/>
-              <a:t>31 March 2023</a:t>
+              <a:t>4 April 2023</a:t>
             </a:fld>
             <a:endParaRPr lang="en-US"/>
           </a:p>
@@ -30405,7 +30420,7 @@
             </a:pPr>
             <a:fld id="{F6931E58-3720-4433-BCC0-93EF419A61F9}" type="datetime3">
               <a:rPr lang="en-US" smtClean="0"/>
-              <a:t>31 March 2023</a:t>
+              <a:t>4 April 2023</a:t>
             </a:fld>
             <a:endParaRPr lang="en-US"/>
           </a:p>
@@ -30938,7 +30953,7 @@
             </a:pPr>
             <a:fld id="{754A58C3-D815-42FE-8A0E-BF28211EFBE3}" type="datetime3">
               <a:rPr lang="en-US" smtClean="0"/>
-              <a:t>31 March 2023</a:t>
+              <a:t>4 April 2023</a:t>
             </a:fld>
             <a:endParaRPr lang="en-US"/>
           </a:p>
@@ -31127,7 +31142,7 @@
             </a:pPr>
             <a:fld id="{D0B71D26-ADEB-49D1-B3B7-7EAB7DD13358}" type="datetime3">
               <a:rPr lang="en-US" smtClean="0"/>
-              <a:t>31 March 2023</a:t>
+              <a:t>4 April 2023</a:t>
             </a:fld>
             <a:endParaRPr lang="en-US"/>
           </a:p>
@@ -33584,7 +33599,7 @@
             </a:pPr>
             <a:fld id="{C93ED6A8-3DFA-4452-A8D0-7232426E2736}" type="datetime3">
               <a:rPr lang="en-US" smtClean="0"/>
-              <a:t>31 March 2023</a:t>
+              <a:t>4 April 2023</a:t>
             </a:fld>
             <a:endParaRPr lang="en-US"/>
           </a:p>
@@ -34515,7 +34530,7 @@
             </a:pPr>
             <a:fld id="{5DC17382-FDB2-4AB7-9274-D58CD3D00F77}" type="datetime3">
               <a:rPr lang="en-US" smtClean="0"/>
-              <a:t>31 March 2023</a:t>
+              <a:t>4 April 2023</a:t>
             </a:fld>
             <a:endParaRPr lang="en-US"/>
           </a:p>

--- a/Lec_2.pptx
+++ b/Lec_2.pptx
@@ -5,10 +5,10 @@
     <p:sldMasterId id="2147483655" r:id="rId1"/>
   </p:sldMasterIdLst>
   <p:notesMasterIdLst>
-    <p:notesMasterId r:id="rId63"/>
+    <p:notesMasterId r:id="rId64"/>
   </p:notesMasterIdLst>
   <p:handoutMasterIdLst>
-    <p:handoutMasterId r:id="rId64"/>
+    <p:handoutMasterId r:id="rId65"/>
   </p:handoutMasterIdLst>
   <p:sldIdLst>
     <p:sldId id="258" r:id="rId2"/>
@@ -67,11 +67,12 @@
     <p:sldId id="364" r:id="rId55"/>
     <p:sldId id="365" r:id="rId56"/>
     <p:sldId id="366" r:id="rId57"/>
-    <p:sldId id="367" r:id="rId58"/>
-    <p:sldId id="368" r:id="rId59"/>
-    <p:sldId id="369" r:id="rId60"/>
-    <p:sldId id="329" r:id="rId61"/>
-    <p:sldId id="256" r:id="rId62"/>
+    <p:sldId id="377" r:id="rId58"/>
+    <p:sldId id="378" r:id="rId59"/>
+    <p:sldId id="368" r:id="rId60"/>
+    <p:sldId id="369" r:id="rId61"/>
+    <p:sldId id="379" r:id="rId62"/>
+    <p:sldId id="256" r:id="rId63"/>
   </p:sldIdLst>
   <p:sldSz cx="9144000" cy="6858000" type="screen4x3"/>
   <p:notesSz cx="6858000" cy="9144000"/>
@@ -336,7 +337,7 @@
               <a:pPr>
                 <a:defRPr/>
               </a:pPr>
-              <a:t>4/4/2023</a:t>
+              <a:t>4/30/2023</a:t>
             </a:fld>
             <a:endParaRPr lang="en-US"/>
           </a:p>
@@ -527,7 +528,7 @@
               <a:pPr>
                 <a:defRPr/>
               </a:pPr>
-              <a:t>4/4/2023</a:t>
+              <a:t>4/30/2023</a:t>
             </a:fld>
             <a:endParaRPr lang="en-US"/>
           </a:p>
@@ -2647,7 +2648,7 @@
             </a:pPr>
             <a:fld id="{09F8CC9C-84F8-40DE-8072-8418EEAB0285}" type="datetime3">
               <a:rPr lang="en-US" smtClean="0"/>
-              <a:t>4 April 2023</a:t>
+              <a:t>30 April 2023</a:t>
             </a:fld>
             <a:endParaRPr lang="en-US"/>
           </a:p>
@@ -2857,7 +2858,7 @@
             </a:pPr>
             <a:fld id="{716D55AE-634D-4C1B-8690-AC1D7DE7B5BE}" type="datetime3">
               <a:rPr lang="en-US" smtClean="0"/>
-              <a:t>4 April 2023</a:t>
+              <a:t>30 April 2023</a:t>
             </a:fld>
             <a:endParaRPr lang="en-US"/>
           </a:p>
@@ -3071,7 +3072,7 @@
             </a:pPr>
             <a:fld id="{FC5FEC6E-2813-41AC-AFD2-1BB4F76C4C42}" type="datetime3">
               <a:rPr lang="en-US" smtClean="0"/>
-              <a:t>4 April 2023</a:t>
+              <a:t>30 April 2023</a:t>
             </a:fld>
             <a:endParaRPr lang="en-US"/>
           </a:p>
@@ -3341,7 +3342,7 @@
             </a:pPr>
             <a:fld id="{47601248-B7BA-4226-AE39-676FAFBA4435}" type="datetime3">
               <a:rPr lang="en-US" smtClean="0"/>
-              <a:t>4 April 2023</a:t>
+              <a:t>30 April 2023</a:t>
             </a:fld>
             <a:endParaRPr lang="en-US"/>
           </a:p>
@@ -3667,7 +3668,7 @@
             </a:pPr>
             <a:fld id="{75917CBA-66F1-4240-B43C-9C76CBF5B267}" type="datetime3">
               <a:rPr lang="en-US" smtClean="0"/>
-              <a:t>4 April 2023</a:t>
+              <a:t>30 April 2023</a:t>
             </a:fld>
             <a:endParaRPr lang="en-US"/>
           </a:p>
@@ -3854,7 +3855,7 @@
             </a:pPr>
             <a:fld id="{4A83CA73-0BFC-4EA3-BF88-0A7EFA16E2AD}" type="datetime3">
               <a:rPr lang="en-US" smtClean="0"/>
-              <a:t>4 April 2023</a:t>
+              <a:t>30 April 2023</a:t>
             </a:fld>
             <a:endParaRPr lang="en-US"/>
           </a:p>
@@ -4058,7 +4059,7 @@
             </a:pPr>
             <a:fld id="{E84513CC-386E-465A-BA6A-30F6981BE159}" type="datetime3">
               <a:rPr lang="en-US" smtClean="0"/>
-              <a:t>4 April 2023</a:t>
+              <a:t>30 April 2023</a:t>
             </a:fld>
             <a:endParaRPr lang="en-US"/>
           </a:p>
@@ -4285,7 +4286,7 @@
             </a:pPr>
             <a:fld id="{69C60E08-14DF-4CC3-9FDE-CF7B231AFBD8}" type="datetime3">
               <a:rPr lang="en-US" smtClean="0"/>
-              <a:t>4 April 2023</a:t>
+              <a:t>30 April 2023</a:t>
             </a:fld>
             <a:endParaRPr lang="en-US"/>
           </a:p>
@@ -4606,7 +4607,7 @@
             </a:pPr>
             <a:fld id="{9AE376AB-52E6-4ECC-81F8-F519C015FFCD}" type="datetime3">
               <a:rPr lang="en-US" smtClean="0"/>
-              <a:t>4 April 2023</a:t>
+              <a:t>30 April 2023</a:t>
             </a:fld>
             <a:endParaRPr lang="en-US"/>
           </a:p>
@@ -5066,7 +5067,7 @@
             </a:pPr>
             <a:fld id="{8CD96E5A-2F28-43E6-9810-21E990481036}" type="datetime3">
               <a:rPr lang="en-US" smtClean="0"/>
-              <a:t>4 April 2023</a:t>
+              <a:t>30 April 2023</a:t>
             </a:fld>
             <a:endParaRPr lang="en-US"/>
           </a:p>
@@ -5219,7 +5220,7 @@
             </a:pPr>
             <a:fld id="{C94AA14A-B3C0-4F6A-9ECD-D50E54560BF4}" type="datetime3">
               <a:rPr lang="en-US" smtClean="0"/>
-              <a:t>4 April 2023</a:t>
+              <a:t>30 April 2023</a:t>
             </a:fld>
             <a:endParaRPr lang="en-US"/>
           </a:p>
@@ -5350,7 +5351,7 @@
             </a:pPr>
             <a:fld id="{2DF9D6B0-2C09-47F5-8733-DDB6D3B95B5B}" type="datetime3">
               <a:rPr lang="en-US" smtClean="0"/>
-              <a:t>4 April 2023</a:t>
+              <a:t>30 April 2023</a:t>
             </a:fld>
             <a:endParaRPr lang="en-US"/>
           </a:p>
@@ -5661,7 +5662,7 @@
             </a:pPr>
             <a:fld id="{FE51208B-D869-4FEE-B747-98C7BABACDFD}" type="datetime3">
               <a:rPr lang="en-US" smtClean="0"/>
-              <a:t>4 April 2023</a:t>
+              <a:t>30 April 2023</a:t>
             </a:fld>
             <a:endParaRPr lang="en-US"/>
           </a:p>
@@ -5950,7 +5951,7 @@
             </a:pPr>
             <a:fld id="{A3DBA343-2E60-4640-801C-3DC38DEBAD4C}" type="datetime3">
               <a:rPr lang="en-US" smtClean="0"/>
-              <a:t>4 April 2023</a:t>
+              <a:t>30 April 2023</a:t>
             </a:fld>
             <a:endParaRPr lang="en-US"/>
           </a:p>
@@ -6341,7 +6342,7 @@
             </a:pPr>
             <a:fld id="{CABEC362-8481-4E91-9909-6D6E193E08BE}" type="datetime3">
               <a:rPr lang="en-US" smtClean="0"/>
-              <a:t>4 April 2023</a:t>
+              <a:t>30 April 2023</a:t>
             </a:fld>
             <a:endParaRPr lang="en-US"/>
           </a:p>
@@ -7967,7 +7968,7 @@
             </a:pPr>
             <a:fld id="{95048985-04BF-4E44-AD19-D0D3F0603289}" type="datetime3">
               <a:rPr lang="en-US" smtClean="0"/>
-              <a:t>4 April 2023</a:t>
+              <a:t>30 April 2023</a:t>
             </a:fld>
             <a:endParaRPr lang="en-US"/>
           </a:p>
@@ -8063,7 +8064,7 @@
             </a:pPr>
             <a:fld id="{E84513CC-386E-465A-BA6A-30F6981BE159}" type="datetime3">
               <a:rPr lang="en-US" smtClean="0"/>
-              <a:t>4 April 2023</a:t>
+              <a:t>30 April 2023</a:t>
             </a:fld>
             <a:endParaRPr lang="en-US"/>
           </a:p>
@@ -8423,7 +8424,7 @@
             </a:pPr>
             <a:fld id="{AD34042D-3D9D-4FC6-9B98-A2348A3B1F55}" type="datetime3">
               <a:rPr lang="en-US" smtClean="0"/>
-              <a:t>4 April 2023</a:t>
+              <a:t>30 April 2023</a:t>
             </a:fld>
             <a:endParaRPr lang="en-US"/>
           </a:p>
@@ -8981,7 +8982,7 @@
             </a:pPr>
             <a:fld id="{F88D8068-8654-4924-9BD1-7CDF87CD92A5}" type="datetime3">
               <a:rPr lang="en-US" smtClean="0"/>
-              <a:t>4 April 2023</a:t>
+              <a:t>30 April 2023</a:t>
             </a:fld>
             <a:endParaRPr lang="en-US"/>
           </a:p>
@@ -9405,7 +9406,7 @@
             </a:pPr>
             <a:fld id="{F2DD698F-3BD9-418E-A792-7D377A113FB1}" type="datetime3">
               <a:rPr lang="en-US" smtClean="0"/>
-              <a:t>4 April 2023</a:t>
+              <a:t>30 April 2023</a:t>
             </a:fld>
             <a:endParaRPr lang="en-US"/>
           </a:p>
@@ -9501,7 +9502,7 @@
             </a:pPr>
             <a:fld id="{E84513CC-386E-465A-BA6A-30F6981BE159}" type="datetime3">
               <a:rPr lang="en-US" smtClean="0"/>
-              <a:t>4 April 2023</a:t>
+              <a:t>30 April 2023</a:t>
             </a:fld>
             <a:endParaRPr lang="en-US"/>
           </a:p>
@@ -10205,7 +10206,7 @@
             </a:pPr>
             <a:fld id="{39FACAE6-9AE1-4F0B-B5CC-4BF41824B418}" type="datetime3">
               <a:rPr lang="en-US" smtClean="0"/>
-              <a:t>4 April 2023</a:t>
+              <a:t>30 April 2023</a:t>
             </a:fld>
             <a:endParaRPr lang="en-US"/>
           </a:p>
@@ -11646,7 +11647,7 @@
             </a:pPr>
             <a:fld id="{ADB65D6C-4348-4AC0-9BFF-00B252066DF6}" type="datetime3">
               <a:rPr lang="en-US" smtClean="0"/>
-              <a:t>4 April 2023</a:t>
+              <a:t>30 April 2023</a:t>
             </a:fld>
             <a:endParaRPr lang="en-US"/>
           </a:p>
@@ -11870,7 +11871,7 @@
             </a:pPr>
             <a:fld id="{EE124259-3191-46DA-AA9A-852595855449}" type="datetime3">
               <a:rPr lang="en-US" smtClean="0"/>
-              <a:t>4 April 2023</a:t>
+              <a:t>30 April 2023</a:t>
             </a:fld>
             <a:endParaRPr lang="en-US"/>
           </a:p>
@@ -12849,7 +12850,7 @@
             </a:pPr>
             <a:fld id="{B6F2AD38-D8BE-4BB7-BB5D-2984C81D5B9C}" type="datetime3">
               <a:rPr lang="en-US" smtClean="0"/>
-              <a:t>4 April 2023</a:t>
+              <a:t>30 April 2023</a:t>
             </a:fld>
             <a:endParaRPr lang="en-US"/>
           </a:p>
@@ -13095,7 +13096,7 @@
             </a:pPr>
             <a:fld id="{0EB6E69A-E8EE-4A35-B1E2-0DA7D146084C}" type="datetime3">
               <a:rPr lang="en-US" smtClean="0"/>
-              <a:t>4 April 2023</a:t>
+              <a:t>30 April 2023</a:t>
             </a:fld>
             <a:endParaRPr lang="en-US"/>
           </a:p>
@@ -13345,7 +13346,7 @@
             </a:pPr>
             <a:fld id="{E9EF4D00-61EE-4569-A1E2-EA8BC7728858}" type="datetime3">
               <a:rPr lang="en-US" smtClean="0"/>
-              <a:t>4 April 2023</a:t>
+              <a:t>30 April 2023</a:t>
             </a:fld>
             <a:endParaRPr lang="en-US"/>
           </a:p>
@@ -13441,7 +13442,7 @@
             </a:pPr>
             <a:fld id="{E84513CC-386E-465A-BA6A-30F6981BE159}" type="datetime3">
               <a:rPr lang="en-US" smtClean="0"/>
-              <a:t>4 April 2023</a:t>
+              <a:t>30 April 2023</a:t>
             </a:fld>
             <a:endParaRPr lang="en-US"/>
           </a:p>
@@ -14169,7 +14170,7 @@
             </a:pPr>
             <a:fld id="{88CA511A-0CB3-4831-BDF9-10D3D1622EF6}" type="datetime3">
               <a:rPr lang="en-US" smtClean="0"/>
-              <a:t>4 April 2023</a:t>
+              <a:t>30 April 2023</a:t>
             </a:fld>
             <a:endParaRPr lang="en-US"/>
           </a:p>
@@ -15005,7 +15006,7 @@
             </a:pPr>
             <a:fld id="{3E1AA7E2-38AE-438C-8949-ABBD868B8326}" type="datetime3">
               <a:rPr lang="en-US" smtClean="0"/>
-              <a:t>4 April 2023</a:t>
+              <a:t>30 April 2023</a:t>
             </a:fld>
             <a:endParaRPr lang="en-US"/>
           </a:p>
@@ -15545,7 +15546,7 @@
             </a:pPr>
             <a:fld id="{6A1592CA-4315-4238-AD66-2149C2A8E6FC}" type="datetime3">
               <a:rPr lang="en-US" smtClean="0"/>
-              <a:t>4 April 2023</a:t>
+              <a:t>30 April 2023</a:t>
             </a:fld>
             <a:endParaRPr lang="en-US"/>
           </a:p>
@@ -15873,7 +15874,7 @@
             </a:pPr>
             <a:fld id="{1CF7A16D-5561-4894-B820-D1114137ADA5}" type="datetime3">
               <a:rPr lang="en-US" smtClean="0"/>
-              <a:t>4 April 2023</a:t>
+              <a:t>30 April 2023</a:t>
             </a:fld>
             <a:endParaRPr lang="en-US"/>
           </a:p>
@@ -16181,7 +16182,7 @@
             </a:pPr>
             <a:fld id="{E3388B9F-6703-4857-BB71-2C0F330A4C22}" type="datetime3">
               <a:rPr lang="en-US" smtClean="0"/>
-              <a:t>4 April 2023</a:t>
+              <a:t>30 April 2023</a:t>
             </a:fld>
             <a:endParaRPr lang="en-US"/>
           </a:p>
@@ -16741,7 +16742,7 @@
             </a:pPr>
             <a:fld id="{1B167F89-51DE-4E5A-9643-6D09BE10EC3C}" type="datetime3">
               <a:rPr lang="en-US" smtClean="0"/>
-              <a:t>4 April 2023</a:t>
+              <a:t>30 April 2023</a:t>
             </a:fld>
             <a:endParaRPr lang="en-US"/>
           </a:p>
@@ -16944,7 +16945,7 @@
             </a:pPr>
             <a:fld id="{1E7A21E6-A7EE-4EAE-B102-2A5E242977C6}" type="datetime3">
               <a:rPr lang="en-US" smtClean="0"/>
-              <a:t>4 April 2023</a:t>
+              <a:t>30 April 2023</a:t>
             </a:fld>
             <a:endParaRPr lang="en-US"/>
           </a:p>
@@ -17180,7 +17181,7 @@
             </a:pPr>
             <a:fld id="{B426EADD-E9EA-4B10-9F1D-599BEBF165AA}" type="datetime3">
               <a:rPr lang="en-US" smtClean="0"/>
-              <a:t>4 April 2023</a:t>
+              <a:t>30 April 2023</a:t>
             </a:fld>
             <a:endParaRPr lang="en-US"/>
           </a:p>
@@ -17346,7 +17347,7 @@
             </a:pPr>
             <a:fld id="{E5976918-E21D-4366-A99A-8F0C4B673D1F}" type="datetime3">
               <a:rPr lang="en-US" smtClean="0"/>
-              <a:t>4 April 2023</a:t>
+              <a:t>30 April 2023</a:t>
             </a:fld>
             <a:endParaRPr lang="en-US"/>
           </a:p>
@@ -17688,7 +17689,7 @@
             </a:pPr>
             <a:fld id="{EEB8F818-3AE2-49EE-A2AD-A9C1FD59581A}" type="datetime3">
               <a:rPr lang="en-US" smtClean="0"/>
-              <a:t>4 April 2023</a:t>
+              <a:t>30 April 2023</a:t>
             </a:fld>
             <a:endParaRPr lang="en-US"/>
           </a:p>
@@ -18159,7 +18160,7 @@
             </a:pPr>
             <a:fld id="{98CA9101-7B80-438D-B9F9-D90458832093}" type="datetime3">
               <a:rPr lang="en-US" smtClean="0"/>
-              <a:t>4 April 2023</a:t>
+              <a:t>30 April 2023</a:t>
             </a:fld>
             <a:endParaRPr lang="en-US"/>
           </a:p>
@@ -18437,7 +18438,7 @@
             </a:pPr>
             <a:fld id="{A353ED53-EFF6-4FE4-85A5-FAC6FA6431BF}" type="datetime3">
               <a:rPr lang="en-US" smtClean="0"/>
-              <a:t>4 April 2023</a:t>
+              <a:t>30 April 2023</a:t>
             </a:fld>
             <a:endParaRPr lang="en-US"/>
           </a:p>
@@ -18694,7 +18695,7 @@
             </a:pPr>
             <a:fld id="{5AB3E753-C921-4F16-BBD6-D8C2B0D6C0FA}" type="datetime3">
               <a:rPr lang="en-US" smtClean="0"/>
-              <a:t>4 April 2023</a:t>
+              <a:t>30 April 2023</a:t>
             </a:fld>
             <a:endParaRPr lang="en-US"/>
           </a:p>
@@ -20064,7 +20065,7 @@
             </a:pPr>
             <a:fld id="{B8962B9F-E6B6-432A-AA4C-8551F038804E}" type="datetime3">
               <a:rPr lang="en-US" smtClean="0"/>
-              <a:t>4 April 2023</a:t>
+              <a:t>30 April 2023</a:t>
             </a:fld>
             <a:endParaRPr lang="en-US"/>
           </a:p>
@@ -20396,7 +20397,7 @@
             </a:pPr>
             <a:fld id="{E6BFBD91-ED7F-45FC-B809-AC0E7C9C9CF3}" type="datetime3">
               <a:rPr lang="en-US" smtClean="0"/>
-              <a:t>4 April 2023</a:t>
+              <a:t>30 April 2023</a:t>
             </a:fld>
             <a:endParaRPr lang="en-US"/>
           </a:p>
@@ -20653,7 +20654,7 @@
             </a:pPr>
             <a:fld id="{70A7DE80-08CF-4BC0-B5E4-33AAC1BEC369}" type="datetime3">
               <a:rPr lang="en-US" smtClean="0"/>
-              <a:t>4 April 2023</a:t>
+              <a:t>30 April 2023</a:t>
             </a:fld>
             <a:endParaRPr lang="en-US"/>
           </a:p>
@@ -21039,7 +21040,7 @@
             </a:pPr>
             <a:fld id="{C755EF04-B0E8-45CA-91C9-E01B1BAF11A0}" type="datetime3">
               <a:rPr lang="en-US" smtClean="0"/>
-              <a:t>4 April 2023</a:t>
+              <a:t>30 April 2023</a:t>
             </a:fld>
             <a:endParaRPr lang="en-US"/>
           </a:p>
@@ -21419,7 +21420,7 @@
             </a:pPr>
             <a:fld id="{4967952A-FAC5-4532-A65B-61C08D7A309F}" type="datetime3">
               <a:rPr lang="en-US" smtClean="0"/>
-              <a:t>4 April 2023</a:t>
+              <a:t>30 April 2023</a:t>
             </a:fld>
             <a:endParaRPr lang="en-US"/>
           </a:p>
@@ -21741,7 +21742,7 @@
             </a:pPr>
             <a:fld id="{B8111191-3A4D-4B9C-A42F-94960EF056CE}" type="datetime3">
               <a:rPr lang="en-US" smtClean="0"/>
-              <a:t>4 April 2023</a:t>
+              <a:t>30 April 2023</a:t>
             </a:fld>
             <a:endParaRPr lang="en-US"/>
           </a:p>
@@ -22258,7 +22259,7 @@
             </a:pPr>
             <a:fld id="{5D897CCF-6D2F-4795-9715-E8C554639C8B}" type="datetime3">
               <a:rPr lang="en-US" smtClean="0"/>
-              <a:t>4 April 2023</a:t>
+              <a:t>30 April 2023</a:t>
             </a:fld>
             <a:endParaRPr lang="en-US"/>
           </a:p>
@@ -22494,7 +22495,7 @@
             </a:pPr>
             <a:fld id="{D0FA1C7F-455E-44F1-9B60-4F35947B313F}" type="datetime3">
               <a:rPr lang="en-US" smtClean="0"/>
-              <a:t>4 April 2023</a:t>
+              <a:t>30 April 2023</a:t>
             </a:fld>
             <a:endParaRPr lang="en-US"/>
           </a:p>
@@ -22673,7 +22674,7 @@
             </a:pPr>
             <a:fld id="{7C5C2DBB-6B56-42CD-916A-3425A3F1F19D}" type="datetime3">
               <a:rPr lang="en-US" smtClean="0"/>
-              <a:t>4 April 2023</a:t>
+              <a:t>30 April 2023</a:t>
             </a:fld>
             <a:endParaRPr lang="en-US"/>
           </a:p>
@@ -23525,7 +23526,7 @@
             </a:pPr>
             <a:fld id="{BF23377F-D136-4709-9F5F-D22F5476FF57}" type="datetime3">
               <a:rPr lang="en-US" smtClean="0"/>
-              <a:t>4 April 2023</a:t>
+              <a:t>30 April 2023</a:t>
             </a:fld>
             <a:endParaRPr lang="en-US"/>
           </a:p>
@@ -23912,7 +23913,7 @@
             </a:pPr>
             <a:fld id="{1DB100C2-340C-49A5-BBEB-11104182BC52}" type="datetime3">
               <a:rPr lang="en-US" smtClean="0"/>
-              <a:t>4 April 2023</a:t>
+              <a:t>30 April 2023</a:t>
             </a:fld>
             <a:endParaRPr lang="en-US"/>
           </a:p>
@@ -26182,7 +26183,7 @@
             </a:pPr>
             <a:fld id="{681C6843-FF4B-4CC3-9D83-019110DBFF94}" type="datetime3">
               <a:rPr lang="en-US" smtClean="0"/>
-              <a:t>4 April 2023</a:t>
+              <a:t>30 April 2023</a:t>
             </a:fld>
             <a:endParaRPr lang="en-US"/>
           </a:p>
@@ -26348,7 +26349,7 @@
             </a:pPr>
             <a:fld id="{5859AEBA-F6AB-49EE-8780-913E8CDDEBD0}" type="datetime3">
               <a:rPr lang="en-US" smtClean="0"/>
-              <a:t>4 April 2023</a:t>
+              <a:t>30 April 2023</a:t>
             </a:fld>
             <a:endParaRPr lang="en-US"/>
           </a:p>
@@ -27724,7 +27725,7 @@
             </a:pPr>
             <a:fld id="{6C663D29-D2DE-4479-9FDF-4B368715B6AE}" type="datetime3">
               <a:rPr lang="en-US" smtClean="0"/>
-              <a:t>4 April 2023</a:t>
+              <a:t>30 April 2023</a:t>
             </a:fld>
             <a:endParaRPr lang="en-US"/>
           </a:p>
@@ -28143,7 +28144,7 @@
             </a:pPr>
             <a:fld id="{B0E3FDB2-5DD5-4821-98FB-ECA873B556B4}" type="datetime3">
               <a:rPr lang="en-US" smtClean="0"/>
-              <a:t>4 April 2023</a:t>
+              <a:t>30 April 2023</a:t>
             </a:fld>
             <a:endParaRPr lang="en-US"/>
           </a:p>
@@ -28717,7 +28718,7 @@
             </a:pPr>
             <a:fld id="{16B337EE-166F-461B-A566-D134E32B6B92}" type="datetime3">
               <a:rPr lang="en-US" smtClean="0"/>
-              <a:t>4 April 2023</a:t>
+              <a:t>30 April 2023</a:t>
             </a:fld>
             <a:endParaRPr lang="en-US"/>
           </a:p>
@@ -28955,7 +28956,7 @@
             </a:pPr>
             <a:fld id="{545D380C-110E-4655-8835-703B86B52DC9}" type="datetime3">
               <a:rPr lang="en-US" smtClean="0"/>
-              <a:t>4 April 2023</a:t>
+              <a:t>30 April 2023</a:t>
             </a:fld>
             <a:endParaRPr lang="en-US"/>
           </a:p>
@@ -29292,7 +29293,7 @@
             </a:pPr>
             <a:fld id="{C76C4506-18BB-4DC3-9963-5B6B5D2C312A}" type="datetime3">
               <a:rPr lang="en-US" smtClean="0"/>
-              <a:t>4 April 2023</a:t>
+              <a:t>30 April 2023</a:t>
             </a:fld>
             <a:endParaRPr lang="en-US"/>
           </a:p>
@@ -29614,7 +29615,7 @@
             </a:pPr>
             <a:fld id="{7AF4293D-23FF-4BF9-B63D-5A2BD8C98BA0}" type="datetime3">
               <a:rPr lang="en-US" smtClean="0"/>
-              <a:t>4 April 2023</a:t>
+              <a:t>30 April 2023</a:t>
             </a:fld>
             <a:endParaRPr lang="en-US"/>
           </a:p>
@@ -29686,7 +29687,13 @@
       </p:grpSpPr>
       <p:sp>
         <p:nvSpPr>
-          <p:cNvPr id="2" name="Title 1"/>
+          <p:cNvPr id="2" name="Title 1">
+            <a:extLst>
+              <a:ext uri="{FF2B5EF4-FFF2-40B4-BE49-F238E27FC236}">
+                <a16:creationId xmlns:a16="http://schemas.microsoft.com/office/drawing/2014/main" id="{76AB6D2B-B596-C006-3988-3F4D91479590}"/>
+              </a:ext>
+            </a:extLst>
+          </p:cNvPr>
           <p:cNvSpPr>
             <a:spLocks noGrp="1"/>
           </p:cNvSpPr>
@@ -29700,28 +29707,87 @@
           <a:lstStyle/>
           <a:p>
             <a:r>
-              <a:rPr lang="en-GB" sz="4500" dirty="0">
-                <a:solidFill>
-                  <a:srgbClr val="C00000"/>
-                </a:solidFill>
-                <a:effectLst>
-                  <a:outerShdw blurRad="38100" dist="38100" dir="2700000" algn="tl">
-                    <a:srgbClr val="000000">
-                      <a:alpha val="43137"/>
-                    </a:srgbClr>
-                  </a:outerShdw>
-                </a:effectLst>
+              <a:rPr lang="en-NZ" dirty="0">
                 <a:latin typeface="Times New Roman" panose="02020603050405020304" pitchFamily="18" charset="0"/>
                 <a:cs typeface="Times New Roman" panose="02020603050405020304" pitchFamily="18" charset="0"/>
               </a:rPr>
-              <a:t>Solution: </a:t>
-            </a:r>
-          </a:p>
-        </p:txBody>
-      </p:sp>
-      <p:sp>
-        <p:nvSpPr>
-          <p:cNvPr id="6" name="Slide Number Placeholder 5"/>
+              <a:t>Solutions</a:t>
+            </a:r>
+          </a:p>
+        </p:txBody>
+      </p:sp>
+      <p:sp>
+        <p:nvSpPr>
+          <p:cNvPr id="4" name="Date Placeholder 3">
+            <a:extLst>
+              <a:ext uri="{FF2B5EF4-FFF2-40B4-BE49-F238E27FC236}">
+                <a16:creationId xmlns:a16="http://schemas.microsoft.com/office/drawing/2014/main" id="{43DD1CE0-DEBA-9915-9929-59273983C80B}"/>
+              </a:ext>
+            </a:extLst>
+          </p:cNvPr>
+          <p:cNvSpPr>
+            <a:spLocks noGrp="1"/>
+          </p:cNvSpPr>
+          <p:nvPr>
+            <p:ph type="dt" sz="half" idx="10"/>
+          </p:nvPr>
+        </p:nvSpPr>
+        <p:spPr/>
+        <p:txBody>
+          <a:bodyPr/>
+          <a:lstStyle/>
+          <a:p>
+            <a:pPr>
+              <a:defRPr/>
+            </a:pPr>
+            <a:fld id="{E84513CC-386E-465A-BA6A-30F6981BE159}" type="datetime3">
+              <a:rPr lang="en-US" smtClean="0"/>
+              <a:t>30 April 2023</a:t>
+            </a:fld>
+            <a:endParaRPr lang="en-US"/>
+          </a:p>
+        </p:txBody>
+      </p:sp>
+      <p:sp>
+        <p:nvSpPr>
+          <p:cNvPr id="5" name="Footer Placeholder 4">
+            <a:extLst>
+              <a:ext uri="{FF2B5EF4-FFF2-40B4-BE49-F238E27FC236}">
+                <a16:creationId xmlns:a16="http://schemas.microsoft.com/office/drawing/2014/main" id="{89DB5E40-9EC3-1EB9-7E05-BD5865F026AA}"/>
+              </a:ext>
+            </a:extLst>
+          </p:cNvPr>
+          <p:cNvSpPr>
+            <a:spLocks noGrp="1"/>
+          </p:cNvSpPr>
+          <p:nvPr>
+            <p:ph type="ftr" sz="quarter" idx="11"/>
+          </p:nvPr>
+        </p:nvSpPr>
+        <p:spPr/>
+        <p:txBody>
+          <a:bodyPr/>
+          <a:lstStyle/>
+          <a:p>
+            <a:pPr>
+              <a:defRPr/>
+            </a:pPr>
+            <a:r>
+              <a:rPr lang="en-US"/>
+              <a:t>T. Mayooran</a:t>
+            </a:r>
+          </a:p>
+        </p:txBody>
+      </p:sp>
+      <p:sp>
+        <p:nvSpPr>
+          <p:cNvPr id="6" name="Slide Number Placeholder 5">
+            <a:extLst>
+              <a:ext uri="{FF2B5EF4-FFF2-40B4-BE49-F238E27FC236}">
+                <a16:creationId xmlns:a16="http://schemas.microsoft.com/office/drawing/2014/main" id="{67497AE1-89DD-C52E-B5CB-0F9CC0B1C116}"/>
+              </a:ext>
+            </a:extLst>
+          </p:cNvPr>
           <p:cNvSpPr>
             <a:spLocks noGrp="1"/>
           </p:cNvSpPr>
@@ -29748,109 +29814,433 @@
           </a:p>
         </p:txBody>
       </p:sp>
-      <p:sp>
-        <p:nvSpPr>
-          <p:cNvPr id="4" name="Date Placeholder 3">
-            <a:extLst>
-              <a:ext uri="{FF2B5EF4-FFF2-40B4-BE49-F238E27FC236}">
-                <a16:creationId xmlns:a16="http://schemas.microsoft.com/office/drawing/2014/main" id="{4048EB17-3854-47F1-B5D0-4DA9C36EA68F}"/>
-              </a:ext>
-            </a:extLst>
-          </p:cNvPr>
-          <p:cNvSpPr>
-            <a:spLocks noGrp="1"/>
-          </p:cNvSpPr>
-          <p:nvPr>
-            <p:ph type="dt" sz="half" idx="10"/>
-          </p:nvPr>
-        </p:nvSpPr>
-        <p:spPr/>
-        <p:txBody>
-          <a:bodyPr/>
-          <a:lstStyle/>
-          <a:p>
-            <a:pPr>
-              <a:defRPr/>
-            </a:pPr>
-            <a:fld id="{0398B356-ECFE-46C8-901E-91268CB8326A}" type="datetime3">
-              <a:rPr lang="en-US" smtClean="0"/>
-              <a:t>4 April 2023</a:t>
-            </a:fld>
-            <a:endParaRPr lang="en-US"/>
-          </a:p>
-        </p:txBody>
-      </p:sp>
-      <p:sp>
-        <p:nvSpPr>
-          <p:cNvPr id="5" name="Footer Placeholder 4">
-            <a:extLst>
-              <a:ext uri="{FF2B5EF4-FFF2-40B4-BE49-F238E27FC236}">
-                <a16:creationId xmlns:a16="http://schemas.microsoft.com/office/drawing/2014/main" id="{377E4ADE-2604-4C3A-A54C-0993DC660A8C}"/>
-              </a:ext>
-            </a:extLst>
-          </p:cNvPr>
-          <p:cNvSpPr>
-            <a:spLocks noGrp="1"/>
-          </p:cNvSpPr>
-          <p:nvPr>
-            <p:ph type="ftr" sz="quarter" idx="11"/>
-          </p:nvPr>
-        </p:nvSpPr>
-        <p:spPr/>
-        <p:txBody>
-          <a:bodyPr/>
-          <a:lstStyle/>
-          <a:p>
-            <a:pPr>
-              <a:defRPr/>
-            </a:pPr>
-            <a:r>
-              <a:rPr lang="en-US"/>
-              <a:t>T. Mayooran</a:t>
-            </a:r>
-          </a:p>
-        </p:txBody>
-      </p:sp>
-      <p:pic>
-        <p:nvPicPr>
-          <p:cNvPr id="7" name="Picture 6" descr="A picture containing icon&#10;&#10;Description automatically generated">
-            <a:extLst>
-              <a:ext uri="{FF2B5EF4-FFF2-40B4-BE49-F238E27FC236}">
-                <a16:creationId xmlns:a16="http://schemas.microsoft.com/office/drawing/2014/main" id="{C56F5D75-0B20-4D57-A0BB-5C53C5FE26F9}"/>
-              </a:ext>
-            </a:extLst>
-          </p:cNvPr>
-          <p:cNvPicPr>
-            <a:picLocks noChangeAspect="1"/>
-          </p:cNvPicPr>
-          <p:nvPr/>
-        </p:nvPicPr>
-        <p:blipFill>
-          <a:blip r:embed="rId2" cstate="print">
-            <a:extLst>
-              <a:ext uri="{28A0092B-C50C-407E-A947-70E740481C1C}">
-                <a14:useLocalDpi xmlns:a14="http://schemas.microsoft.com/office/drawing/2010/main" val="0"/>
-              </a:ext>
-            </a:extLst>
-          </a:blip>
-          <a:stretch>
-            <a:fillRect/>
-          </a:stretch>
-        </p:blipFill>
-        <p:spPr>
-          <a:xfrm>
-            <a:off x="3581400" y="2057400"/>
-            <a:ext cx="2212820" cy="3581400"/>
-          </a:xfrm>
-          <a:prstGeom prst="rect">
-            <a:avLst/>
-          </a:prstGeom>
-        </p:spPr>
-      </p:pic>
+      <mc:AlternateContent xmlns:mc="http://schemas.openxmlformats.org/markup-compatibility/2006" xmlns:a14="http://schemas.microsoft.com/office/drawing/2010/main">
+        <mc:Choice Requires="a14">
+          <p:sp>
+            <p:nvSpPr>
+              <p:cNvPr id="8" name="TextBox 7">
+                <a:extLst>
+                  <a:ext uri="{FF2B5EF4-FFF2-40B4-BE49-F238E27FC236}">
+                    <a16:creationId xmlns:a16="http://schemas.microsoft.com/office/drawing/2014/main" id="{BF8FAD9A-D9B4-891D-A12A-6E697BB6C1CE}"/>
+                  </a:ext>
+                </a:extLst>
+              </p:cNvPr>
+              <p:cNvSpPr txBox="1"/>
+              <p:nvPr/>
+            </p:nvSpPr>
+            <p:spPr>
+              <a:xfrm>
+                <a:off x="533400" y="1779687"/>
+                <a:ext cx="8458200" cy="4202369"/>
+              </a:xfrm>
+              <a:prstGeom prst="rect">
+                <a:avLst/>
+              </a:prstGeom>
+              <a:noFill/>
+            </p:spPr>
+            <p:txBody>
+              <a:bodyPr wrap="square">
+                <a:spAutoFit/>
+              </a:bodyPr>
+              <a:lstStyle/>
+              <a:p>
+                <a:pPr marL="342900" indent="-342900" algn="just">
+                  <a:buFont typeface="+mj-lt"/>
+                  <a:buAutoNum type="alphaLcParenR"/>
+                </a:pPr>
+                <a:r>
+                  <a:rPr lang="en-US" sz="1900" b="0" i="0" dirty="0">
+                    <a:solidFill>
+                      <a:schemeClr val="tx1"/>
+                    </a:solidFill>
+                    <a:effectLst/>
+                    <a:latin typeface="Times New Roman" panose="02020603050405020304" pitchFamily="18" charset="0"/>
+                    <a:cs typeface="Times New Roman" panose="02020603050405020304" pitchFamily="18" charset="0"/>
+                  </a:rPr>
+                  <a:t>Expected number of traffic crashes on any given day = 842/365 ≈ 2.307</a:t>
+                </a:r>
+              </a:p>
+              <a:p>
+                <a:pPr algn="just"/>
+                <a:r>
+                  <a:rPr lang="en-US" sz="1900" b="0" i="0" dirty="0">
+                    <a:solidFill>
+                      <a:schemeClr val="tx1"/>
+                    </a:solidFill>
+                    <a:effectLst/>
+                    <a:latin typeface="Times New Roman" panose="02020603050405020304" pitchFamily="18" charset="0"/>
+                    <a:cs typeface="Times New Roman" panose="02020603050405020304" pitchFamily="18" charset="0"/>
+                  </a:rPr>
+                  <a:t>Therefore, we can expect an average of 2.307 traffic crashes on any given day in 2010.</a:t>
+                </a:r>
+              </a:p>
+              <a:p>
+                <a:pPr algn="just"/>
+                <a:endParaRPr lang="en-US" sz="1900" b="0" i="0" dirty="0">
+                  <a:solidFill>
+                    <a:schemeClr val="tx1"/>
+                  </a:solidFill>
+                  <a:effectLst/>
+                  <a:latin typeface="Times New Roman" panose="02020603050405020304" pitchFamily="18" charset="0"/>
+                  <a:cs typeface="Times New Roman" panose="02020603050405020304" pitchFamily="18" charset="0"/>
+                </a:endParaRPr>
+              </a:p>
+              <a:p>
+                <a:pPr algn="just"/>
+                <a:r>
+                  <a:rPr lang="en-US" sz="1900" dirty="0">
+                    <a:solidFill>
+                      <a:schemeClr val="tx1"/>
+                    </a:solidFill>
+                    <a:latin typeface="Times New Roman" panose="02020603050405020304" pitchFamily="18" charset="0"/>
+                    <a:cs typeface="Times New Roman" panose="02020603050405020304" pitchFamily="18" charset="0"/>
+                  </a:rPr>
+                  <a:t>b) </a:t>
+                </a:r>
+                <a:r>
+                  <a:rPr lang="en-US" sz="1900" b="0" i="0" dirty="0">
+                    <a:solidFill>
+                      <a:schemeClr val="tx1"/>
+                    </a:solidFill>
+                    <a:effectLst/>
+                    <a:latin typeface="Times New Roman" panose="02020603050405020304" pitchFamily="18" charset="0"/>
+                    <a:cs typeface="Times New Roman" panose="02020603050405020304" pitchFamily="18" charset="0"/>
+                  </a:rPr>
+                  <a:t>The standard deviation of the Poisson distribution is equal to the square root of the mean or expected value, so:</a:t>
+                </a:r>
+              </a:p>
+              <a:p>
+                <a:pPr algn="just"/>
+                <a:r>
+                  <a:rPr lang="en-US" sz="1900" b="0" i="0" dirty="0">
+                    <a:solidFill>
+                      <a:schemeClr val="tx1"/>
+                    </a:solidFill>
+                    <a:effectLst/>
+                    <a:latin typeface="Times New Roman" panose="02020603050405020304" pitchFamily="18" charset="0"/>
+                    <a:cs typeface="Times New Roman" panose="02020603050405020304" pitchFamily="18" charset="0"/>
+                  </a:rPr>
+                  <a:t>Standard deviation = sqrt(expected number of traffic crashes) = sqrt(2.307) ≈ 1.519</a:t>
+                </a:r>
+              </a:p>
+              <a:p>
+                <a:pPr algn="just"/>
+                <a:r>
+                  <a:rPr lang="en-US" sz="1900" b="0" i="0" dirty="0">
+                    <a:solidFill>
+                      <a:schemeClr val="tx1"/>
+                    </a:solidFill>
+                    <a:effectLst/>
+                    <a:latin typeface="Times New Roman" panose="02020603050405020304" pitchFamily="18" charset="0"/>
+                    <a:cs typeface="Times New Roman" panose="02020603050405020304" pitchFamily="18" charset="0"/>
+                  </a:rPr>
+                  <a:t>Therefore, the standard deviation of the number of traffic crashes on Jaffna roadways on any given day of 2010 is approximately 1.519.</a:t>
+                </a:r>
+              </a:p>
+              <a:p>
+                <a:pPr algn="just"/>
+                <a:endParaRPr lang="en-US" sz="1900" dirty="0">
+                  <a:solidFill>
+                    <a:schemeClr val="tx1"/>
+                  </a:solidFill>
+                  <a:latin typeface="Times New Roman" panose="02020603050405020304" pitchFamily="18" charset="0"/>
+                  <a:cs typeface="Times New Roman" panose="02020603050405020304" pitchFamily="18" charset="0"/>
+                </a:endParaRPr>
+              </a:p>
+              <a:p>
+                <a:pPr algn="just"/>
+                <a:r>
+                  <a:rPr lang="en-US" sz="1900" b="0" i="0" dirty="0">
+                    <a:solidFill>
+                      <a:schemeClr val="tx1"/>
+                    </a:solidFill>
+                    <a:effectLst/>
+                    <a:latin typeface="Times New Roman" panose="02020603050405020304" pitchFamily="18" charset="0"/>
+                    <a:cs typeface="Times New Roman" panose="02020603050405020304" pitchFamily="18" charset="0"/>
+                  </a:rPr>
+                  <a:t>c)Probability of exactly 200 traffic crashes on Jaffna roadways in any given day of 2010: Using the Poisson distribution, the probability mass function is given by</a:t>
+                </a:r>
+              </a:p>
+              <a:p>
+                <a:pPr algn="just"/>
+                <a14:m>
+                  <m:oMathPara xmlns:m="http://schemas.openxmlformats.org/officeDocument/2006/math">
+                    <m:oMathParaPr>
+                      <m:jc m:val="centerGroup"/>
+                    </m:oMathParaPr>
+                    <m:oMath xmlns:m="http://schemas.openxmlformats.org/officeDocument/2006/math">
+                      <m:r>
+                        <a:rPr lang="en-NZ" sz="1900" b="0" i="1" smtClean="0">
+                          <a:solidFill>
+                            <a:schemeClr val="tx1"/>
+                          </a:solidFill>
+                          <a:effectLst/>
+                          <a:latin typeface="Cambria Math" panose="02040503050406030204" pitchFamily="18" charset="0"/>
+                        </a:rPr>
+                        <m:t>𝑃</m:t>
+                      </m:r>
+                      <m:d>
+                        <m:dPr>
+                          <m:ctrlPr>
+                            <a:rPr lang="en-NZ" sz="1900" b="0" i="1" smtClean="0">
+                              <a:solidFill>
+                                <a:schemeClr val="tx1"/>
+                              </a:solidFill>
+                              <a:effectLst/>
+                              <a:latin typeface="Cambria Math" panose="02040503050406030204" pitchFamily="18" charset="0"/>
+                            </a:rPr>
+                          </m:ctrlPr>
+                        </m:dPr>
+                        <m:e>
+                          <m:r>
+                            <a:rPr lang="en-NZ" sz="1900" b="0" i="1" smtClean="0">
+                              <a:solidFill>
+                                <a:schemeClr val="tx1"/>
+                              </a:solidFill>
+                              <a:effectLst/>
+                              <a:latin typeface="Cambria Math" panose="02040503050406030204" pitchFamily="18" charset="0"/>
+                            </a:rPr>
+                            <m:t>𝑋</m:t>
+                          </m:r>
+                          <m:r>
+                            <a:rPr lang="en-NZ" sz="1900" b="0" i="1" smtClean="0">
+                              <a:solidFill>
+                                <a:schemeClr val="tx1"/>
+                              </a:solidFill>
+                              <a:effectLst/>
+                              <a:latin typeface="Cambria Math" panose="02040503050406030204" pitchFamily="18" charset="0"/>
+                            </a:rPr>
+                            <m:t>=</m:t>
+                          </m:r>
+                          <m:r>
+                            <a:rPr lang="en-NZ" sz="1900" b="0" i="1" smtClean="0">
+                              <a:solidFill>
+                                <a:schemeClr val="tx1"/>
+                              </a:solidFill>
+                              <a:effectLst/>
+                              <a:latin typeface="Cambria Math" panose="02040503050406030204" pitchFamily="18" charset="0"/>
+                            </a:rPr>
+                            <m:t>𝑥</m:t>
+                          </m:r>
+                        </m:e>
+                      </m:d>
+                      <m:r>
+                        <a:rPr lang="en-US" sz="1900" b="0" i="1" smtClean="0">
+                          <a:solidFill>
+                            <a:schemeClr val="tx1"/>
+                          </a:solidFill>
+                          <a:effectLst/>
+                          <a:latin typeface="Cambria Math" panose="02040503050406030204" pitchFamily="18" charset="0"/>
+                        </a:rPr>
+                        <m:t>=</m:t>
+                      </m:r>
+                      <m:f>
+                        <m:fPr>
+                          <m:ctrlPr>
+                            <a:rPr lang="en-US" sz="1900" b="0" i="1" smtClean="0">
+                              <a:solidFill>
+                                <a:schemeClr val="tx1"/>
+                              </a:solidFill>
+                              <a:effectLst/>
+                              <a:latin typeface="Cambria Math" panose="02040503050406030204" pitchFamily="18" charset="0"/>
+                            </a:rPr>
+                          </m:ctrlPr>
+                        </m:fPr>
+                        <m:num>
+                          <m:sSup>
+                            <m:sSupPr>
+                              <m:ctrlPr>
+                                <a:rPr lang="en-US" sz="1900" b="0" i="1" smtClean="0">
+                                  <a:solidFill>
+                                    <a:schemeClr val="tx1"/>
+                                  </a:solidFill>
+                                  <a:effectLst/>
+                                  <a:latin typeface="Cambria Math" panose="02040503050406030204" pitchFamily="18" charset="0"/>
+                                </a:rPr>
+                              </m:ctrlPr>
+                            </m:sSupPr>
+                            <m:e>
+                              <m:r>
+                                <a:rPr lang="en-NZ" sz="1900" b="0" i="1" smtClean="0">
+                                  <a:solidFill>
+                                    <a:schemeClr val="tx1"/>
+                                  </a:solidFill>
+                                  <a:effectLst/>
+                                  <a:latin typeface="Cambria Math" panose="02040503050406030204" pitchFamily="18" charset="0"/>
+                                </a:rPr>
+                                <m:t>𝑒</m:t>
+                              </m:r>
+                            </m:e>
+                            <m:sup>
+                              <m:r>
+                                <a:rPr lang="en-US" sz="1900" b="0" i="1" smtClean="0">
+                                  <a:solidFill>
+                                    <a:schemeClr val="tx1"/>
+                                  </a:solidFill>
+                                  <a:effectLst/>
+                                  <a:latin typeface="Cambria Math" panose="02040503050406030204" pitchFamily="18" charset="0"/>
+                                  <a:ea typeface="Cambria Math" panose="02040503050406030204" pitchFamily="18" charset="0"/>
+                                </a:rPr>
+                                <m:t>𝜆</m:t>
+                              </m:r>
+                            </m:sup>
+                          </m:sSup>
+                          <m:sSup>
+                            <m:sSupPr>
+                              <m:ctrlPr>
+                                <a:rPr lang="en-US" sz="1900" b="0" i="1" smtClean="0">
+                                  <a:solidFill>
+                                    <a:schemeClr val="tx1"/>
+                                  </a:solidFill>
+                                  <a:effectLst/>
+                                  <a:latin typeface="Cambria Math" panose="02040503050406030204" pitchFamily="18" charset="0"/>
+                                </a:rPr>
+                              </m:ctrlPr>
+                            </m:sSupPr>
+                            <m:e>
+                              <m:r>
+                                <a:rPr lang="en-US" sz="1900" b="0" i="1" smtClean="0">
+                                  <a:solidFill>
+                                    <a:schemeClr val="tx1"/>
+                                  </a:solidFill>
+                                  <a:effectLst/>
+                                  <a:latin typeface="Cambria Math" panose="02040503050406030204" pitchFamily="18" charset="0"/>
+                                  <a:ea typeface="Cambria Math" panose="02040503050406030204" pitchFamily="18" charset="0"/>
+                                </a:rPr>
+                                <m:t>𝜆</m:t>
+                              </m:r>
+                            </m:e>
+                            <m:sup>
+                              <m:r>
+                                <a:rPr lang="en-NZ" sz="1900" b="0" i="1" smtClean="0">
+                                  <a:solidFill>
+                                    <a:schemeClr val="tx1"/>
+                                  </a:solidFill>
+                                  <a:effectLst/>
+                                  <a:latin typeface="Cambria Math" panose="02040503050406030204" pitchFamily="18" charset="0"/>
+                                </a:rPr>
+                                <m:t>𝑥</m:t>
+                              </m:r>
+                            </m:sup>
+                          </m:sSup>
+                        </m:num>
+                        <m:den>
+                          <m:r>
+                            <a:rPr lang="en-NZ" sz="1900" b="0" i="1" smtClean="0">
+                              <a:solidFill>
+                                <a:schemeClr val="tx1"/>
+                              </a:solidFill>
+                              <a:effectLst/>
+                              <a:latin typeface="Cambria Math" panose="02040503050406030204" pitchFamily="18" charset="0"/>
+                            </a:rPr>
+                            <m:t>𝑥</m:t>
+                          </m:r>
+                          <m:r>
+                            <a:rPr lang="en-NZ" sz="1900" b="0" i="1" smtClean="0">
+                              <a:solidFill>
+                                <a:schemeClr val="tx1"/>
+                              </a:solidFill>
+                              <a:effectLst/>
+                              <a:latin typeface="Cambria Math" panose="02040503050406030204" pitchFamily="18" charset="0"/>
+                            </a:rPr>
+                            <m:t>!</m:t>
+                          </m:r>
+                        </m:den>
+                      </m:f>
+                      <m:r>
+                        <a:rPr lang="en-NZ" sz="1900" b="0" i="1" smtClean="0">
+                          <a:solidFill>
+                            <a:schemeClr val="tx1"/>
+                          </a:solidFill>
+                          <a:effectLst/>
+                          <a:latin typeface="Cambria Math" panose="02040503050406030204" pitchFamily="18" charset="0"/>
+                        </a:rPr>
+                        <m:t>  ;</m:t>
+                      </m:r>
+                      <m:r>
+                        <a:rPr lang="en-NZ" sz="1900" b="0" i="1" smtClean="0">
+                          <a:solidFill>
+                            <a:schemeClr val="tx1"/>
+                          </a:solidFill>
+                          <a:effectLst/>
+                          <a:latin typeface="Cambria Math" panose="02040503050406030204" pitchFamily="18" charset="0"/>
+                        </a:rPr>
+                        <m:t>𝑥</m:t>
+                      </m:r>
+                      <m:r>
+                        <a:rPr lang="en-NZ" sz="1900" b="0" i="1" smtClean="0">
+                          <a:solidFill>
+                            <a:schemeClr val="tx1"/>
+                          </a:solidFill>
+                          <a:effectLst/>
+                          <a:latin typeface="Cambria Math" panose="02040503050406030204" pitchFamily="18" charset="0"/>
+                        </a:rPr>
+                        <m:t>=0,1,2,……</m:t>
+                      </m:r>
+                    </m:oMath>
+                  </m:oMathPara>
+                </a14:m>
+                <a:endParaRPr lang="en-US" sz="1900" b="0" i="0" dirty="0">
+                  <a:solidFill>
+                    <a:schemeClr val="tx1"/>
+                  </a:solidFill>
+                  <a:effectLst/>
+                  <a:latin typeface="Times New Roman" panose="02020603050405020304" pitchFamily="18" charset="0"/>
+                  <a:cs typeface="Times New Roman" panose="02020603050405020304" pitchFamily="18" charset="0"/>
+                </a:endParaRPr>
+              </a:p>
+            </p:txBody>
+          </p:sp>
+        </mc:Choice>
+        <mc:Fallback xmlns="">
+          <p:sp>
+            <p:nvSpPr>
+              <p:cNvPr id="8" name="TextBox 7">
+                <a:extLst>
+                  <a:ext uri="{FF2B5EF4-FFF2-40B4-BE49-F238E27FC236}">
+                    <a16:creationId xmlns:a16="http://schemas.microsoft.com/office/drawing/2014/main" id="{BF8FAD9A-D9B4-891D-A12A-6E697BB6C1CE}"/>
+                  </a:ext>
+                </a:extLst>
+              </p:cNvPr>
+              <p:cNvSpPr txBox="1">
+                <a:spLocks noRot="1" noChangeAspect="1" noMove="1" noResize="1" noEditPoints="1" noAdjustHandles="1" noChangeArrowheads="1" noChangeShapeType="1" noTextEdit="1"/>
+              </p:cNvSpPr>
+              <p:nvPr/>
+            </p:nvSpPr>
+            <p:spPr>
+              <a:xfrm>
+                <a:off x="533400" y="1779687"/>
+                <a:ext cx="8458200" cy="4202369"/>
+              </a:xfrm>
+              <a:prstGeom prst="rect">
+                <a:avLst/>
+              </a:prstGeom>
+              <a:blipFill>
+                <a:blip r:embed="rId2"/>
+                <a:stretch>
+                  <a:fillRect l="-721" t="-726" r="-649"/>
+                </a:stretch>
+              </a:blipFill>
+            </p:spPr>
+            <p:txBody>
+              <a:bodyPr/>
+              <a:lstStyle/>
+              <a:p>
+                <a:r>
+                  <a:rPr lang="en-NZ">
+                    <a:noFill/>
+                  </a:rPr>
+                  <a:t> </a:t>
+                </a:r>
+              </a:p>
+            </p:txBody>
+          </p:sp>
+        </mc:Fallback>
+      </mc:AlternateContent>
     </p:spTree>
     <p:extLst>
       <p:ext uri="{BB962C8B-B14F-4D97-AF65-F5344CB8AC3E}">
-        <p14:creationId xmlns:p14="http://schemas.microsoft.com/office/powerpoint/2010/main" val="3354560815"/>
+        <p14:creationId xmlns:p14="http://schemas.microsoft.com/office/powerpoint/2010/main" val="1053818958"/>
       </p:ext>
     </p:extLst>
   </p:cSld>
@@ -29882,12 +30272,18 @@
       </p:grpSpPr>
       <p:sp>
         <p:nvSpPr>
-          <p:cNvPr id="2" name="Title 1"/>
+          <p:cNvPr id="4" name="Date Placeholder 3">
+            <a:extLst>
+              <a:ext uri="{FF2B5EF4-FFF2-40B4-BE49-F238E27FC236}">
+                <a16:creationId xmlns:a16="http://schemas.microsoft.com/office/drawing/2014/main" id="{D2D224B8-DDCA-9D5A-0F57-E4A046A9B58C}"/>
+              </a:ext>
+            </a:extLst>
+          </p:cNvPr>
           <p:cNvSpPr>
             <a:spLocks noGrp="1"/>
           </p:cNvSpPr>
           <p:nvPr>
-            <p:ph type="title"/>
+            <p:ph type="dt" sz="half" idx="10"/>
           </p:nvPr>
         </p:nvSpPr>
         <p:spPr/>
@@ -29895,229 +30291,57 @@
           <a:bodyPr/>
           <a:lstStyle/>
           <a:p>
-            <a:r>
-              <a:rPr lang="en-GB" dirty="0">
-                <a:solidFill>
-                  <a:srgbClr val="C00000"/>
-                </a:solidFill>
-                <a:effectLst>
-                  <a:outerShdw blurRad="38100" dist="38100" dir="2700000" algn="tl">
-                    <a:srgbClr val="000000">
-                      <a:alpha val="43137"/>
-                    </a:srgbClr>
-                  </a:outerShdw>
-                </a:effectLst>
-                <a:latin typeface="Times New Roman" panose="02020603050405020304" pitchFamily="18" charset="0"/>
-                <a:cs typeface="Times New Roman" panose="02020603050405020304" pitchFamily="18" charset="0"/>
-              </a:rPr>
-              <a:t>Additional examples:</a:t>
-            </a:r>
-          </a:p>
-        </p:txBody>
-      </p:sp>
-      <p:sp>
-        <p:nvSpPr>
-          <p:cNvPr id="3" name="Content Placeholder 2"/>
+            <a:pPr>
+              <a:defRPr/>
+            </a:pPr>
+            <a:fld id="{E84513CC-386E-465A-BA6A-30F6981BE159}" type="datetime3">
+              <a:rPr lang="en-US" smtClean="0"/>
+              <a:t>30 April 2023</a:t>
+            </a:fld>
+            <a:endParaRPr lang="en-US"/>
+          </a:p>
+        </p:txBody>
+      </p:sp>
+      <p:sp>
+        <p:nvSpPr>
+          <p:cNvPr id="5" name="Footer Placeholder 4">
+            <a:extLst>
+              <a:ext uri="{FF2B5EF4-FFF2-40B4-BE49-F238E27FC236}">
+                <a16:creationId xmlns:a16="http://schemas.microsoft.com/office/drawing/2014/main" id="{48238C6D-BA7A-2897-22E3-96EB6B4809EE}"/>
+              </a:ext>
+            </a:extLst>
+          </p:cNvPr>
           <p:cNvSpPr>
             <a:spLocks noGrp="1"/>
           </p:cNvSpPr>
           <p:nvPr>
-            <p:ph idx="1"/>
-          </p:nvPr>
-        </p:nvSpPr>
-        <p:spPr>
-          <a:xfrm>
-            <a:off x="838204" y="1600200"/>
-            <a:ext cx="7661275" cy="4343400"/>
-          </a:xfrm>
-        </p:spPr>
+            <p:ph type="ftr" sz="quarter" idx="11"/>
+          </p:nvPr>
+        </p:nvSpPr>
+        <p:spPr/>
         <p:txBody>
           <a:bodyPr/>
           <a:lstStyle/>
           <a:p>
-            <a:pPr marL="0" indent="0" algn="just">
-              <a:buNone/>
-            </a:pPr>
-            <a:r>
-              <a:rPr lang="en-IN" sz="2000" dirty="0">
-                <a:latin typeface="Times New Roman" panose="02020603050405020304" pitchFamily="18" charset="0"/>
-                <a:cs typeface="Times New Roman" panose="02020603050405020304" pitchFamily="18" charset="0"/>
-              </a:rPr>
-              <a:t>In the following probability distribution, the random variable   represents the number of activities the mother of a 5th grade student is involved in:</a:t>
-            </a:r>
-          </a:p>
-          <a:p>
-            <a:pPr marL="0" indent="0" algn="just">
-              <a:buNone/>
-            </a:pPr>
-            <a:endParaRPr lang="en-GB" sz="2000" dirty="0">
-              <a:latin typeface="Times New Roman" panose="02020603050405020304" pitchFamily="18" charset="0"/>
-              <a:cs typeface="Times New Roman" panose="02020603050405020304" pitchFamily="18" charset="0"/>
-            </a:endParaRPr>
-          </a:p>
-          <a:p>
-            <a:pPr marL="0" indent="0" algn="just">
-              <a:buNone/>
-            </a:pPr>
-            <a:endParaRPr lang="en-GB" sz="2000" dirty="0">
-              <a:latin typeface="Times New Roman" panose="02020603050405020304" pitchFamily="18" charset="0"/>
-              <a:cs typeface="Times New Roman" panose="02020603050405020304" pitchFamily="18" charset="0"/>
-            </a:endParaRPr>
-          </a:p>
-          <a:p>
-            <a:pPr marL="0" indent="0" algn="just">
-              <a:buNone/>
-            </a:pPr>
-            <a:endParaRPr lang="en-GB" sz="2000" dirty="0">
-              <a:latin typeface="Times New Roman" panose="02020603050405020304" pitchFamily="18" charset="0"/>
-              <a:cs typeface="Times New Roman" panose="02020603050405020304" pitchFamily="18" charset="0"/>
-            </a:endParaRPr>
-          </a:p>
-          <a:p>
-            <a:pPr marL="0" indent="0" algn="just">
-              <a:buNone/>
-            </a:pPr>
-            <a:endParaRPr lang="en-GB" sz="2000" dirty="0">
-              <a:latin typeface="Times New Roman" panose="02020603050405020304" pitchFamily="18" charset="0"/>
-              <a:cs typeface="Times New Roman" panose="02020603050405020304" pitchFamily="18" charset="0"/>
-            </a:endParaRPr>
-          </a:p>
-          <a:p>
-            <a:pPr marL="0" indent="0" algn="just">
-              <a:buNone/>
-            </a:pPr>
-            <a:endParaRPr lang="en-GB" sz="2000" dirty="0">
-              <a:latin typeface="Times New Roman" panose="02020603050405020304" pitchFamily="18" charset="0"/>
-              <a:cs typeface="Times New Roman" panose="02020603050405020304" pitchFamily="18" charset="0"/>
-            </a:endParaRPr>
-          </a:p>
-          <a:p>
-            <a:pPr marL="457200" indent="-457200" algn="just">
-              <a:buClrTx/>
-              <a:buFont typeface="+mj-lt"/>
-              <a:buAutoNum type="alphaLcParenR"/>
-            </a:pPr>
-            <a:r>
-              <a:rPr lang="en-IN" sz="2000" dirty="0">
-                <a:latin typeface="Times New Roman" panose="02020603050405020304" pitchFamily="18" charset="0"/>
-                <a:cs typeface="Times New Roman" panose="02020603050405020304" pitchFamily="18" charset="0"/>
-              </a:rPr>
-              <a:t>Determine the value of C?</a:t>
-            </a:r>
-          </a:p>
-          <a:p>
-            <a:pPr marL="457200" indent="-457200" algn="just">
-              <a:buClrTx/>
-              <a:buFont typeface="+mj-lt"/>
-              <a:buAutoNum type="alphaLcParenR"/>
-            </a:pPr>
-            <a:r>
-              <a:rPr lang="en-IN" sz="2000" dirty="0">
-                <a:latin typeface="Times New Roman" panose="02020603050405020304" pitchFamily="18" charset="0"/>
-                <a:cs typeface="Times New Roman" panose="02020603050405020304" pitchFamily="18" charset="0"/>
-              </a:rPr>
-              <a:t>Compute the mean and standard deviation of the random variable  X?</a:t>
-            </a:r>
-          </a:p>
-          <a:p>
-            <a:pPr marL="457200" indent="-457200" algn="just">
-              <a:buClrTx/>
-              <a:buFont typeface="+mj-lt"/>
-              <a:buAutoNum type="alphaLcParenR"/>
-            </a:pPr>
-            <a:r>
-              <a:rPr lang="en-US" sz="2000" dirty="0">
-                <a:latin typeface="Times New Roman" panose="02020603050405020304" pitchFamily="18" charset="0"/>
-                <a:cs typeface="Times New Roman" panose="02020603050405020304" pitchFamily="18" charset="0"/>
-              </a:rPr>
-              <a:t>What is the probability that a randomly selected mother is involved in at least two activities? </a:t>
-            </a:r>
-            <a:endParaRPr lang="en-GB" sz="2000" dirty="0">
-              <a:latin typeface="Times New Roman" panose="02020603050405020304" pitchFamily="18" charset="0"/>
-              <a:cs typeface="Times New Roman" panose="02020603050405020304" pitchFamily="18" charset="0"/>
-            </a:endParaRPr>
-          </a:p>
-        </p:txBody>
-      </p:sp>
-      <p:sp>
-        <p:nvSpPr>
-          <p:cNvPr id="10" name="Rectangle 9"/>
-          <p:cNvSpPr/>
-          <p:nvPr/>
-        </p:nvSpPr>
-        <p:spPr>
-          <a:xfrm>
-            <a:off x="1524000" y="2362200"/>
-            <a:ext cx="2133600" cy="1754326"/>
-          </a:xfrm>
-          <a:prstGeom prst="rect">
-            <a:avLst/>
-          </a:prstGeom>
-        </p:spPr>
-        <p:txBody>
-          <a:bodyPr wrap="square">
-            <a:spAutoFit/>
-          </a:bodyPr>
-          <a:lstStyle/>
-          <a:p>
-            <a:r>
-              <a:rPr lang="en-GB" u="sng" dirty="0">
-                <a:latin typeface="Times New Roman" panose="02020603050405020304" pitchFamily="18" charset="0"/>
-                <a:cs typeface="Times New Roman" panose="02020603050405020304" pitchFamily="18" charset="0"/>
-              </a:rPr>
-              <a:t>x             P(X=x)</a:t>
-            </a:r>
-          </a:p>
-          <a:p>
-            <a:r>
-              <a:rPr lang="en-GB" dirty="0">
-                <a:latin typeface="Times New Roman" panose="02020603050405020304" pitchFamily="18" charset="0"/>
-                <a:cs typeface="Times New Roman" panose="02020603050405020304" pitchFamily="18" charset="0"/>
-              </a:rPr>
-              <a:t>0	C</a:t>
-            </a:r>
-          </a:p>
-          <a:p>
-            <a:r>
-              <a:rPr lang="en-GB" dirty="0">
-                <a:latin typeface="Times New Roman" panose="02020603050405020304" pitchFamily="18" charset="0"/>
-                <a:cs typeface="Times New Roman" panose="02020603050405020304" pitchFamily="18" charset="0"/>
-              </a:rPr>
-              <a:t>1	0.083</a:t>
-            </a:r>
-          </a:p>
-          <a:p>
-            <a:r>
-              <a:rPr lang="en-GB" dirty="0">
-                <a:latin typeface="Times New Roman" panose="02020603050405020304" pitchFamily="18" charset="0"/>
-                <a:cs typeface="Times New Roman" panose="02020603050405020304" pitchFamily="18" charset="0"/>
-              </a:rPr>
-              <a:t>2	0.210</a:t>
-            </a:r>
-          </a:p>
-          <a:p>
-            <a:r>
-              <a:rPr lang="en-GB" dirty="0">
-                <a:latin typeface="Times New Roman" panose="02020603050405020304" pitchFamily="18" charset="0"/>
-                <a:cs typeface="Times New Roman" panose="02020603050405020304" pitchFamily="18" charset="0"/>
-              </a:rPr>
-              <a:t>3	0.325</a:t>
-            </a:r>
-          </a:p>
-          <a:p>
-            <a:r>
-              <a:rPr lang="en-GB" dirty="0">
-                <a:latin typeface="Times New Roman" panose="02020603050405020304" pitchFamily="18" charset="0"/>
-                <a:cs typeface="Times New Roman" panose="02020603050405020304" pitchFamily="18" charset="0"/>
-              </a:rPr>
-              <a:t>4	0.332</a:t>
-            </a:r>
-          </a:p>
-        </p:txBody>
-      </p:sp>
-      <p:sp>
-        <p:nvSpPr>
-          <p:cNvPr id="6" name="Slide Number Placeholder 5"/>
+            <a:pPr>
+              <a:defRPr/>
+            </a:pPr>
+            <a:r>
+              <a:rPr lang="en-US"/>
+              <a:t>T. Mayooran</a:t>
+            </a:r>
+          </a:p>
+        </p:txBody>
+      </p:sp>
+      <p:sp>
+        <p:nvSpPr>
+          <p:cNvPr id="6" name="Slide Number Placeholder 5">
+            <a:extLst>
+              <a:ext uri="{FF2B5EF4-FFF2-40B4-BE49-F238E27FC236}">
+                <a16:creationId xmlns:a16="http://schemas.microsoft.com/office/drawing/2014/main" id="{B304648E-92B3-7540-BBA0-35424CB63BF0}"/>
+              </a:ext>
+            </a:extLst>
+          </p:cNvPr>
           <p:cNvSpPr>
             <a:spLocks noGrp="1"/>
           </p:cNvSpPr>
@@ -30144,73 +30368,317 @@
           </a:p>
         </p:txBody>
       </p:sp>
-      <p:sp>
-        <p:nvSpPr>
-          <p:cNvPr id="4" name="Date Placeholder 3">
-            <a:extLst>
-              <a:ext uri="{FF2B5EF4-FFF2-40B4-BE49-F238E27FC236}">
-                <a16:creationId xmlns:a16="http://schemas.microsoft.com/office/drawing/2014/main" id="{DE647005-4F15-4E40-A139-D937E290E5ED}"/>
-              </a:ext>
-            </a:extLst>
-          </p:cNvPr>
-          <p:cNvSpPr>
-            <a:spLocks noGrp="1"/>
-          </p:cNvSpPr>
-          <p:nvPr>
-            <p:ph type="dt" sz="half" idx="10"/>
-          </p:nvPr>
-        </p:nvSpPr>
-        <p:spPr/>
-        <p:txBody>
-          <a:bodyPr/>
-          <a:lstStyle/>
-          <a:p>
-            <a:pPr>
-              <a:defRPr/>
-            </a:pPr>
-            <a:fld id="{A135E72B-EC67-440E-B701-D870B3AE9BEA}" type="datetime3">
-              <a:rPr lang="en-US" smtClean="0"/>
-              <a:t>4 April 2023</a:t>
-            </a:fld>
-            <a:endParaRPr lang="en-US"/>
-          </a:p>
-        </p:txBody>
-      </p:sp>
-      <p:sp>
-        <p:nvSpPr>
-          <p:cNvPr id="5" name="Footer Placeholder 4">
-            <a:extLst>
-              <a:ext uri="{FF2B5EF4-FFF2-40B4-BE49-F238E27FC236}">
-                <a16:creationId xmlns:a16="http://schemas.microsoft.com/office/drawing/2014/main" id="{7CB57709-CDDF-4B2D-8A90-79930343A5C5}"/>
-              </a:ext>
-            </a:extLst>
-          </p:cNvPr>
-          <p:cNvSpPr>
-            <a:spLocks noGrp="1"/>
-          </p:cNvSpPr>
-          <p:nvPr>
-            <p:ph type="ftr" sz="quarter" idx="11"/>
-          </p:nvPr>
-        </p:nvSpPr>
-        <p:spPr/>
-        <p:txBody>
-          <a:bodyPr/>
-          <a:lstStyle/>
-          <a:p>
-            <a:pPr>
-              <a:defRPr/>
-            </a:pPr>
-            <a:r>
-              <a:rPr lang="en-US"/>
-              <a:t>T. Mayooran</a:t>
-            </a:r>
-          </a:p>
-        </p:txBody>
-      </p:sp>
+      <mc:AlternateContent xmlns:mc="http://schemas.openxmlformats.org/markup-compatibility/2006" xmlns:a14="http://schemas.microsoft.com/office/drawing/2010/main">
+        <mc:Choice Requires="a14">
+          <p:sp>
+            <p:nvSpPr>
+              <p:cNvPr id="8" name="TextBox 7">
+                <a:extLst>
+                  <a:ext uri="{FF2B5EF4-FFF2-40B4-BE49-F238E27FC236}">
+                    <a16:creationId xmlns:a16="http://schemas.microsoft.com/office/drawing/2014/main" id="{B8E317FF-11CA-CE7E-C983-6BC041DBB0F4}"/>
+                  </a:ext>
+                </a:extLst>
+              </p:cNvPr>
+              <p:cNvSpPr txBox="1"/>
+              <p:nvPr/>
+            </p:nvSpPr>
+            <p:spPr>
+              <a:xfrm>
+                <a:off x="685800" y="1674674"/>
+                <a:ext cx="7772400" cy="2740430"/>
+              </a:xfrm>
+              <a:prstGeom prst="rect">
+                <a:avLst/>
+              </a:prstGeom>
+              <a:noFill/>
+            </p:spPr>
+            <p:txBody>
+              <a:bodyPr wrap="square">
+                <a:spAutoFit/>
+              </a:bodyPr>
+              <a:lstStyle/>
+              <a:p>
+                <a:pPr algn="just"/>
+                <a:r>
+                  <a:rPr lang="en-US" sz="1900" b="0" i="0" dirty="0">
+                    <a:solidFill>
+                      <a:schemeClr val="tx1"/>
+                    </a:solidFill>
+                    <a:effectLst/>
+                    <a:latin typeface="Times New Roman" panose="02020603050405020304" pitchFamily="18" charset="0"/>
+                    <a:cs typeface="Times New Roman" panose="02020603050405020304" pitchFamily="18" charset="0"/>
+                  </a:rPr>
+                  <a:t>We can calculate the probability of exactly 200 traffic crashes on Jaffna roadways in any given day of 2010 as:</a:t>
+                </a:r>
+              </a:p>
+              <a:p>
+                <a:pPr algn="just"/>
+                <a14:m>
+                  <m:oMathPara xmlns:m="http://schemas.openxmlformats.org/officeDocument/2006/math">
+                    <m:oMathParaPr>
+                      <m:jc m:val="centerGroup"/>
+                    </m:oMathParaPr>
+                    <m:oMath xmlns:m="http://schemas.openxmlformats.org/officeDocument/2006/math">
+                      <m:r>
+                        <a:rPr lang="en-NZ" sz="1900" b="0" i="1" smtClean="0">
+                          <a:solidFill>
+                            <a:schemeClr val="tx1"/>
+                          </a:solidFill>
+                          <a:effectLst/>
+                          <a:latin typeface="Cambria Math" panose="02040503050406030204" pitchFamily="18" charset="0"/>
+                        </a:rPr>
+                        <m:t>𝑃</m:t>
+                      </m:r>
+                      <m:d>
+                        <m:dPr>
+                          <m:ctrlPr>
+                            <a:rPr lang="en-NZ" sz="1900" b="0" i="1" smtClean="0">
+                              <a:solidFill>
+                                <a:schemeClr val="tx1"/>
+                              </a:solidFill>
+                              <a:effectLst/>
+                              <a:latin typeface="Cambria Math" panose="02040503050406030204" pitchFamily="18" charset="0"/>
+                            </a:rPr>
+                          </m:ctrlPr>
+                        </m:dPr>
+                        <m:e>
+                          <m:r>
+                            <a:rPr lang="en-NZ" sz="1900" b="0" i="1" smtClean="0">
+                              <a:solidFill>
+                                <a:schemeClr val="tx1"/>
+                              </a:solidFill>
+                              <a:effectLst/>
+                              <a:latin typeface="Cambria Math" panose="02040503050406030204" pitchFamily="18" charset="0"/>
+                            </a:rPr>
+                            <m:t>𝑋</m:t>
+                          </m:r>
+                          <m:r>
+                            <a:rPr lang="en-NZ" sz="1900" b="0" i="1" smtClean="0">
+                              <a:solidFill>
+                                <a:schemeClr val="tx1"/>
+                              </a:solidFill>
+                              <a:effectLst/>
+                              <a:latin typeface="Cambria Math" panose="02040503050406030204" pitchFamily="18" charset="0"/>
+                            </a:rPr>
+                            <m:t>=200</m:t>
+                          </m:r>
+                        </m:e>
+                      </m:d>
+                      <m:r>
+                        <a:rPr lang="en-US" sz="1900" b="0" i="1" smtClean="0">
+                          <a:solidFill>
+                            <a:schemeClr val="tx1"/>
+                          </a:solidFill>
+                          <a:effectLst/>
+                          <a:latin typeface="Cambria Math" panose="02040503050406030204" pitchFamily="18" charset="0"/>
+                        </a:rPr>
+                        <m:t>=</m:t>
+                      </m:r>
+                      <m:f>
+                        <m:fPr>
+                          <m:ctrlPr>
+                            <a:rPr lang="en-US" sz="1900" b="0" i="1" smtClean="0">
+                              <a:solidFill>
+                                <a:schemeClr val="tx1"/>
+                              </a:solidFill>
+                              <a:effectLst/>
+                              <a:latin typeface="Cambria Math" panose="02040503050406030204" pitchFamily="18" charset="0"/>
+                            </a:rPr>
+                          </m:ctrlPr>
+                        </m:fPr>
+                        <m:num>
+                          <m:sSup>
+                            <m:sSupPr>
+                              <m:ctrlPr>
+                                <a:rPr lang="en-US" sz="1900" b="0" i="1" smtClean="0">
+                                  <a:solidFill>
+                                    <a:schemeClr val="tx1"/>
+                                  </a:solidFill>
+                                  <a:effectLst/>
+                                  <a:latin typeface="Cambria Math" panose="02040503050406030204" pitchFamily="18" charset="0"/>
+                                </a:rPr>
+                              </m:ctrlPr>
+                            </m:sSupPr>
+                            <m:e>
+                              <m:r>
+                                <a:rPr lang="en-NZ" sz="1900" b="0" i="1" smtClean="0">
+                                  <a:solidFill>
+                                    <a:schemeClr val="tx1"/>
+                                  </a:solidFill>
+                                  <a:effectLst/>
+                                  <a:latin typeface="Cambria Math" panose="02040503050406030204" pitchFamily="18" charset="0"/>
+                                </a:rPr>
+                                <m:t>𝑒</m:t>
+                              </m:r>
+                            </m:e>
+                            <m:sup>
+                              <m:r>
+                                <a:rPr lang="en-NZ" sz="1900" b="0" i="1" smtClean="0">
+                                  <a:solidFill>
+                                    <a:schemeClr val="tx1"/>
+                                  </a:solidFill>
+                                  <a:effectLst/>
+                                  <a:latin typeface="Cambria Math" panose="02040503050406030204" pitchFamily="18" charset="0"/>
+                                </a:rPr>
+                                <m:t>−2.307</m:t>
+                              </m:r>
+                            </m:sup>
+                          </m:sSup>
+                          <m:sSup>
+                            <m:sSupPr>
+                              <m:ctrlPr>
+                                <a:rPr lang="en-US" sz="1900" b="0" i="1" smtClean="0">
+                                  <a:solidFill>
+                                    <a:schemeClr val="tx1"/>
+                                  </a:solidFill>
+                                  <a:effectLst/>
+                                  <a:latin typeface="Cambria Math" panose="02040503050406030204" pitchFamily="18" charset="0"/>
+                                </a:rPr>
+                              </m:ctrlPr>
+                            </m:sSupPr>
+                            <m:e>
+                              <m:r>
+                                <a:rPr lang="en-NZ" sz="1900" b="0" i="1" smtClean="0">
+                                  <a:solidFill>
+                                    <a:schemeClr val="tx1"/>
+                                  </a:solidFill>
+                                  <a:effectLst/>
+                                  <a:latin typeface="Cambria Math" panose="02040503050406030204" pitchFamily="18" charset="0"/>
+                                </a:rPr>
+                                <m:t>2.307</m:t>
+                              </m:r>
+                            </m:e>
+                            <m:sup>
+                              <m:r>
+                                <a:rPr lang="en-NZ" sz="1900" b="0" i="1" smtClean="0">
+                                  <a:solidFill>
+                                    <a:schemeClr val="tx1"/>
+                                  </a:solidFill>
+                                  <a:effectLst/>
+                                  <a:latin typeface="Cambria Math" panose="02040503050406030204" pitchFamily="18" charset="0"/>
+                                  <a:ea typeface="Cambria Math" panose="02040503050406030204" pitchFamily="18" charset="0"/>
+                                </a:rPr>
+                                <m:t>200</m:t>
+                              </m:r>
+                            </m:sup>
+                          </m:sSup>
+                        </m:num>
+                        <m:den>
+                          <m:r>
+                            <a:rPr lang="en-NZ" sz="1900" b="0" i="1" smtClean="0">
+                              <a:solidFill>
+                                <a:schemeClr val="tx1"/>
+                              </a:solidFill>
+                              <a:effectLst/>
+                              <a:latin typeface="Cambria Math" panose="02040503050406030204" pitchFamily="18" charset="0"/>
+                            </a:rPr>
+                            <m:t>200!</m:t>
+                          </m:r>
+                        </m:den>
+                      </m:f>
+                    </m:oMath>
+                  </m:oMathPara>
+                </a14:m>
+                <a:endParaRPr lang="en-US" sz="1900" b="0" i="0" dirty="0">
+                  <a:solidFill>
+                    <a:schemeClr val="tx1"/>
+                  </a:solidFill>
+                  <a:effectLst/>
+                  <a:latin typeface="Times New Roman" panose="02020603050405020304" pitchFamily="18" charset="0"/>
+                  <a:cs typeface="Times New Roman" panose="02020603050405020304" pitchFamily="18" charset="0"/>
+                </a:endParaRPr>
+              </a:p>
+              <a:p>
+                <a:pPr algn="just"/>
+                <a:r>
+                  <a:rPr lang="en-US" sz="1900" b="0" i="0" dirty="0">
+                    <a:solidFill>
+                      <a:schemeClr val="tx1"/>
+                    </a:solidFill>
+                    <a:effectLst/>
+                    <a:latin typeface="Times New Roman" panose="02020603050405020304" pitchFamily="18" charset="0"/>
+                    <a:cs typeface="Times New Roman" panose="02020603050405020304" pitchFamily="18" charset="0"/>
+                  </a:rPr>
+                  <a:t>P(x = 200) = (e^-2.307 * 2.307^200) / 200! ≈ 0</a:t>
+                </a:r>
+              </a:p>
+              <a:p>
+                <a:pPr algn="just"/>
+                <a:endParaRPr lang="en-US" sz="1900" b="0" i="0" dirty="0">
+                  <a:solidFill>
+                    <a:schemeClr val="tx1"/>
+                  </a:solidFill>
+                  <a:effectLst/>
+                  <a:latin typeface="Times New Roman" panose="02020603050405020304" pitchFamily="18" charset="0"/>
+                  <a:cs typeface="Times New Roman" panose="02020603050405020304" pitchFamily="18" charset="0"/>
+                </a:endParaRPr>
+              </a:p>
+              <a:p>
+                <a:pPr algn="just"/>
+                <a:r>
+                  <a:rPr lang="en-US" sz="1900" b="0" i="0" dirty="0">
+                    <a:solidFill>
+                      <a:schemeClr val="tx1"/>
+                    </a:solidFill>
+                    <a:effectLst/>
+                    <a:latin typeface="Times New Roman" panose="02020603050405020304" pitchFamily="18" charset="0"/>
+                    <a:cs typeface="Times New Roman" panose="02020603050405020304" pitchFamily="18" charset="0"/>
+                  </a:rPr>
+                  <a:t>The probability is practically zero because it’s extremely unlikely to have such a high number of traffic crashes in a single day, given the expected average of 2.307 crashes per day.</a:t>
+                </a:r>
+              </a:p>
+            </p:txBody>
+          </p:sp>
+        </mc:Choice>
+        <mc:Fallback xmlns="">
+          <p:sp>
+            <p:nvSpPr>
+              <p:cNvPr id="8" name="TextBox 7">
+                <a:extLst>
+                  <a:ext uri="{FF2B5EF4-FFF2-40B4-BE49-F238E27FC236}">
+                    <a16:creationId xmlns:a16="http://schemas.microsoft.com/office/drawing/2014/main" id="{B8E317FF-11CA-CE7E-C983-6BC041DBB0F4}"/>
+                  </a:ext>
+                </a:extLst>
+              </p:cNvPr>
+              <p:cNvSpPr txBox="1">
+                <a:spLocks noRot="1" noChangeAspect="1" noMove="1" noResize="1" noEditPoints="1" noAdjustHandles="1" noChangeArrowheads="1" noChangeShapeType="1" noTextEdit="1"/>
+              </p:cNvSpPr>
+              <p:nvPr/>
+            </p:nvSpPr>
+            <p:spPr>
+              <a:xfrm>
+                <a:off x="685800" y="1674674"/>
+                <a:ext cx="7772400" cy="2740430"/>
+              </a:xfrm>
+              <a:prstGeom prst="rect">
+                <a:avLst/>
+              </a:prstGeom>
+              <a:blipFill>
+                <a:blip r:embed="rId2"/>
+                <a:stretch>
+                  <a:fillRect l="-784" t="-1114" r="-706" b="-2673"/>
+                </a:stretch>
+              </a:blipFill>
+            </p:spPr>
+            <p:txBody>
+              <a:bodyPr/>
+              <a:lstStyle/>
+              <a:p>
+                <a:r>
+                  <a:rPr lang="en-NZ">
+                    <a:noFill/>
+                  </a:rPr>
+                  <a:t> </a:t>
+                </a:r>
+              </a:p>
+            </p:txBody>
+          </p:sp>
+        </mc:Fallback>
+      </mc:AlternateContent>
     </p:spTree>
     <p:extLst>
       <p:ext uri="{BB962C8B-B14F-4D97-AF65-F5344CB8AC3E}">
-        <p14:creationId xmlns:p14="http://schemas.microsoft.com/office/powerpoint/2010/main" val="3959245720"/>
+        <p14:creationId xmlns:p14="http://schemas.microsoft.com/office/powerpoint/2010/main" val="2869367934"/>
       </p:ext>
     </p:extLst>
   </p:cSld>
@@ -30267,18 +30735,17 @@
                     </a:srgbClr>
                   </a:outerShdw>
                 </a:effectLst>
-                <a:latin typeface="Times New Roman" pitchFamily="18" charset="0"/>
-                <a:cs typeface="Times New Roman" pitchFamily="18" charset="0"/>
+                <a:latin typeface="Times New Roman" panose="02020603050405020304" pitchFamily="18" charset="0"/>
+                <a:cs typeface="Times New Roman" panose="02020603050405020304" pitchFamily="18" charset="0"/>
               </a:rPr>
-              <a:t>Exercises:</a:t>
-            </a:r>
-            <a:endParaRPr lang="en-GB" dirty="0"/>
-          </a:p>
-        </p:txBody>
-      </p:sp>
-      <p:sp>
-        <p:nvSpPr>
-          <p:cNvPr id="6" name="Content Placeholder 2"/>
+              <a:t>Additional examples:</a:t>
+            </a:r>
+          </a:p>
+        </p:txBody>
+      </p:sp>
+      <p:sp>
+        <p:nvSpPr>
+          <p:cNvPr id="3" name="Content Placeholder 2"/>
           <p:cNvSpPr>
             <a:spLocks noGrp="1"/>
           </p:cNvSpPr>
@@ -30288,86 +30755,197 @@
         </p:nvSpPr>
         <p:spPr>
           <a:xfrm>
-            <a:off x="796929" y="1676400"/>
-            <a:ext cx="7661275" cy="4114800"/>
+            <a:off x="838204" y="1600200"/>
+            <a:ext cx="7661275" cy="4343400"/>
           </a:xfrm>
         </p:spPr>
         <p:txBody>
           <a:bodyPr/>
           <a:lstStyle/>
           <a:p>
-            <a:pPr marL="0" indent="0">
+            <a:pPr marL="0" indent="0" algn="just">
               <a:buNone/>
             </a:pPr>
             <a:r>
-              <a:rPr lang="en-GB" sz="3500" dirty="0">
-                <a:latin typeface="Times New Roman" pitchFamily="18" charset="0"/>
-                <a:cs typeface="Times New Roman" pitchFamily="18" charset="0"/>
+              <a:rPr lang="en-IN" sz="2000" dirty="0">
+                <a:latin typeface="Times New Roman" panose="02020603050405020304" pitchFamily="18" charset="0"/>
+                <a:cs typeface="Times New Roman" panose="02020603050405020304" pitchFamily="18" charset="0"/>
               </a:rPr>
-              <a:t>In your course tutorial exercises, </a:t>
-            </a:r>
-          </a:p>
-          <a:p>
-            <a:pPr>
+              <a:t>In the following probability distribution, the random variable   represents the number of activities the mother of a 5th grade student is involved in:</a:t>
+            </a:r>
+          </a:p>
+          <a:p>
+            <a:pPr marL="0" indent="0" algn="just">
+              <a:buNone/>
+            </a:pPr>
+            <a:endParaRPr lang="en-GB" sz="2000" dirty="0">
+              <a:latin typeface="Times New Roman" panose="02020603050405020304" pitchFamily="18" charset="0"/>
+              <a:cs typeface="Times New Roman" panose="02020603050405020304" pitchFamily="18" charset="0"/>
+            </a:endParaRPr>
+          </a:p>
+          <a:p>
+            <a:pPr marL="0" indent="0" algn="just">
+              <a:buNone/>
+            </a:pPr>
+            <a:endParaRPr lang="en-GB" sz="2000" dirty="0">
+              <a:latin typeface="Times New Roman" panose="02020603050405020304" pitchFamily="18" charset="0"/>
+              <a:cs typeface="Times New Roman" panose="02020603050405020304" pitchFamily="18" charset="0"/>
+            </a:endParaRPr>
+          </a:p>
+          <a:p>
+            <a:pPr marL="0" indent="0" algn="just">
+              <a:buNone/>
+            </a:pPr>
+            <a:endParaRPr lang="en-GB" sz="2000" dirty="0">
+              <a:latin typeface="Times New Roman" panose="02020603050405020304" pitchFamily="18" charset="0"/>
+              <a:cs typeface="Times New Roman" panose="02020603050405020304" pitchFamily="18" charset="0"/>
+            </a:endParaRPr>
+          </a:p>
+          <a:p>
+            <a:pPr marL="0" indent="0" algn="just">
+              <a:buNone/>
+            </a:pPr>
+            <a:endParaRPr lang="en-GB" sz="2000" dirty="0">
+              <a:latin typeface="Times New Roman" panose="02020603050405020304" pitchFamily="18" charset="0"/>
+              <a:cs typeface="Times New Roman" panose="02020603050405020304" pitchFamily="18" charset="0"/>
+            </a:endParaRPr>
+          </a:p>
+          <a:p>
+            <a:pPr marL="0" indent="0" algn="just">
+              <a:buNone/>
+            </a:pPr>
+            <a:endParaRPr lang="en-GB" sz="2000" dirty="0">
+              <a:latin typeface="Times New Roman" panose="02020603050405020304" pitchFamily="18" charset="0"/>
+              <a:cs typeface="Times New Roman" panose="02020603050405020304" pitchFamily="18" charset="0"/>
+            </a:endParaRPr>
+          </a:p>
+          <a:p>
+            <a:pPr marL="457200" indent="-457200" algn="just">
               <a:buClrTx/>
-              <a:buFont typeface="Wingdings" pitchFamily="2" charset="2"/>
-              <a:buChar char="q"/>
-            </a:pPr>
-            <a:r>
-              <a:rPr lang="en-GB" sz="3500" dirty="0">
-                <a:latin typeface="Times New Roman" pitchFamily="18" charset="0"/>
-                <a:cs typeface="Times New Roman" pitchFamily="18" charset="0"/>
+              <a:buFont typeface="+mj-lt"/>
+              <a:buAutoNum type="alphaLcParenR"/>
+            </a:pPr>
+            <a:r>
+              <a:rPr lang="en-IN" sz="2000" dirty="0">
+                <a:latin typeface="Times New Roman" panose="02020603050405020304" pitchFamily="18" charset="0"/>
+                <a:cs typeface="Times New Roman" panose="02020603050405020304" pitchFamily="18" charset="0"/>
               </a:rPr>
-              <a:t>Question no. 01</a:t>
-            </a:r>
-          </a:p>
-          <a:p>
-            <a:pPr>
+              <a:t>Determine the value of C?</a:t>
+            </a:r>
+          </a:p>
+          <a:p>
+            <a:pPr marL="457200" indent="-457200" algn="just">
               <a:buClrTx/>
-              <a:buFont typeface="Wingdings" pitchFamily="2" charset="2"/>
-              <a:buChar char="q"/>
-            </a:pPr>
-            <a:r>
-              <a:rPr lang="en-GB" sz="3500" dirty="0">
-                <a:latin typeface="Times New Roman" pitchFamily="18" charset="0"/>
-                <a:cs typeface="Times New Roman" pitchFamily="18" charset="0"/>
+              <a:buFont typeface="+mj-lt"/>
+              <a:buAutoNum type="alphaLcParenR"/>
+            </a:pPr>
+            <a:r>
+              <a:rPr lang="en-IN" sz="2000" dirty="0">
+                <a:latin typeface="Times New Roman" panose="02020603050405020304" pitchFamily="18" charset="0"/>
+                <a:cs typeface="Times New Roman" panose="02020603050405020304" pitchFamily="18" charset="0"/>
               </a:rPr>
-              <a:t>Question no. 03</a:t>
-            </a:r>
-          </a:p>
-          <a:p>
-            <a:pPr>
+              <a:t>Compute the mean and standard deviation of the random variable  X?</a:t>
+            </a:r>
+          </a:p>
+          <a:p>
+            <a:pPr marL="457200" indent="-457200" algn="just">
               <a:buClrTx/>
-              <a:buFont typeface="Wingdings" pitchFamily="2" charset="2"/>
-              <a:buChar char="q"/>
-            </a:pPr>
-            <a:r>
-              <a:rPr lang="en-GB" sz="3500" dirty="0">
-                <a:latin typeface="Times New Roman" pitchFamily="18" charset="0"/>
-                <a:cs typeface="Times New Roman" pitchFamily="18" charset="0"/>
+              <a:buFont typeface="+mj-lt"/>
+              <a:buAutoNum type="alphaLcParenR"/>
+            </a:pPr>
+            <a:r>
+              <a:rPr lang="en-US" sz="2000" dirty="0">
+                <a:latin typeface="Times New Roman" panose="02020603050405020304" pitchFamily="18" charset="0"/>
+                <a:cs typeface="Times New Roman" panose="02020603050405020304" pitchFamily="18" charset="0"/>
               </a:rPr>
-              <a:t>Question no. 12</a:t>
-            </a:r>
-          </a:p>
-          <a:p>
-            <a:pPr>
-              <a:buClrTx/>
-              <a:buFont typeface="Wingdings" pitchFamily="2" charset="2"/>
-              <a:buChar char="q"/>
-            </a:pPr>
-            <a:r>
-              <a:rPr lang="en-GB" sz="3500" dirty="0">
-                <a:latin typeface="Times New Roman" pitchFamily="18" charset="0"/>
-                <a:cs typeface="Times New Roman" pitchFamily="18" charset="0"/>
+              <a:t>What is the probability that a randomly selected mother is involved in at least two activities? </a:t>
+            </a:r>
+            <a:endParaRPr lang="en-GB" sz="2000" dirty="0">
+              <a:latin typeface="Times New Roman" panose="02020603050405020304" pitchFamily="18" charset="0"/>
+              <a:cs typeface="Times New Roman" panose="02020603050405020304" pitchFamily="18" charset="0"/>
+            </a:endParaRPr>
+          </a:p>
+        </p:txBody>
+      </p:sp>
+      <p:sp>
+        <p:nvSpPr>
+          <p:cNvPr id="10" name="Rectangle 9"/>
+          <p:cNvSpPr/>
+          <p:nvPr/>
+        </p:nvSpPr>
+        <p:spPr>
+          <a:xfrm>
+            <a:off x="1524000" y="2362200"/>
+            <a:ext cx="2133600" cy="1754326"/>
+          </a:xfrm>
+          <a:prstGeom prst="rect">
+            <a:avLst/>
+          </a:prstGeom>
+        </p:spPr>
+        <p:txBody>
+          <a:bodyPr wrap="square">
+            <a:spAutoFit/>
+          </a:bodyPr>
+          <a:lstStyle/>
+          <a:p>
+            <a:r>
+              <a:rPr lang="en-GB" u="sng" dirty="0">
+                <a:latin typeface="Times New Roman" panose="02020603050405020304" pitchFamily="18" charset="0"/>
+                <a:cs typeface="Times New Roman" panose="02020603050405020304" pitchFamily="18" charset="0"/>
               </a:rPr>
-              <a:t>Question no. 13</a:t>
-            </a:r>
-          </a:p>
-        </p:txBody>
-      </p:sp>
-      <p:sp>
-        <p:nvSpPr>
-          <p:cNvPr id="4" name="Slide Number Placeholder 3"/>
+              <a:t>x             P(X=x)</a:t>
+            </a:r>
+          </a:p>
+          <a:p>
+            <a:r>
+              <a:rPr lang="en-GB" dirty="0">
+                <a:latin typeface="Times New Roman" panose="02020603050405020304" pitchFamily="18" charset="0"/>
+                <a:cs typeface="Times New Roman" panose="02020603050405020304" pitchFamily="18" charset="0"/>
+              </a:rPr>
+              <a:t>0	C</a:t>
+            </a:r>
+          </a:p>
+          <a:p>
+            <a:r>
+              <a:rPr lang="en-GB" dirty="0">
+                <a:latin typeface="Times New Roman" panose="02020603050405020304" pitchFamily="18" charset="0"/>
+                <a:cs typeface="Times New Roman" panose="02020603050405020304" pitchFamily="18" charset="0"/>
+              </a:rPr>
+              <a:t>1	0.083</a:t>
+            </a:r>
+          </a:p>
+          <a:p>
+            <a:r>
+              <a:rPr lang="en-GB" dirty="0">
+                <a:latin typeface="Times New Roman" panose="02020603050405020304" pitchFamily="18" charset="0"/>
+                <a:cs typeface="Times New Roman" panose="02020603050405020304" pitchFamily="18" charset="0"/>
+              </a:rPr>
+              <a:t>2	0.210</a:t>
+            </a:r>
+          </a:p>
+          <a:p>
+            <a:r>
+              <a:rPr lang="en-GB" dirty="0">
+                <a:latin typeface="Times New Roman" panose="02020603050405020304" pitchFamily="18" charset="0"/>
+                <a:cs typeface="Times New Roman" panose="02020603050405020304" pitchFamily="18" charset="0"/>
+              </a:rPr>
+              <a:t>3	0.325</a:t>
+            </a:r>
+          </a:p>
+          <a:p>
+            <a:r>
+              <a:rPr lang="en-GB" dirty="0">
+                <a:latin typeface="Times New Roman" panose="02020603050405020304" pitchFamily="18" charset="0"/>
+                <a:cs typeface="Times New Roman" panose="02020603050405020304" pitchFamily="18" charset="0"/>
+              </a:rPr>
+              <a:t>4	0.332</a:t>
+            </a:r>
+          </a:p>
+        </p:txBody>
+      </p:sp>
+      <p:sp>
+        <p:nvSpPr>
+          <p:cNvPr id="6" name="Slide Number Placeholder 5"/>
           <p:cNvSpPr>
             <a:spLocks noGrp="1"/>
           </p:cNvSpPr>
@@ -30396,10 +30974,10 @@
       </p:sp>
       <p:sp>
         <p:nvSpPr>
-          <p:cNvPr id="3" name="Date Placeholder 2">
+          <p:cNvPr id="4" name="Date Placeholder 3">
             <a:extLst>
               <a:ext uri="{FF2B5EF4-FFF2-40B4-BE49-F238E27FC236}">
-                <a16:creationId xmlns:a16="http://schemas.microsoft.com/office/drawing/2014/main" id="{3B0D652A-A07B-48C4-ACF3-975E58EC8B2F}"/>
+                <a16:creationId xmlns:a16="http://schemas.microsoft.com/office/drawing/2014/main" id="{DE647005-4F15-4E40-A139-D937E290E5ED}"/>
               </a:ext>
             </a:extLst>
           </p:cNvPr>
@@ -30418,9 +30996,9 @@
             <a:pPr>
               <a:defRPr/>
             </a:pPr>
-            <a:fld id="{F6931E58-3720-4433-BCC0-93EF419A61F9}" type="datetime3">
+            <a:fld id="{A135E72B-EC67-440E-B701-D870B3AE9BEA}" type="datetime3">
               <a:rPr lang="en-US" smtClean="0"/>
-              <a:t>4 April 2023</a:t>
+              <a:t>30 April 2023</a:t>
             </a:fld>
             <a:endParaRPr lang="en-US"/>
           </a:p>
@@ -30431,7 +31009,7 @@
           <p:cNvPr id="5" name="Footer Placeholder 4">
             <a:extLst>
               <a:ext uri="{FF2B5EF4-FFF2-40B4-BE49-F238E27FC236}">
-                <a16:creationId xmlns:a16="http://schemas.microsoft.com/office/drawing/2014/main" id="{FB963F53-B588-469B-8D51-07E13057D2E7}"/>
+                <a16:creationId xmlns:a16="http://schemas.microsoft.com/office/drawing/2014/main" id="{7CB57709-CDDF-4B2D-8A90-79930343A5C5}"/>
               </a:ext>
             </a:extLst>
           </p:cNvPr>
@@ -30460,7 +31038,7 @@
     </p:spTree>
     <p:extLst>
       <p:ext uri="{BB962C8B-B14F-4D97-AF65-F5344CB8AC3E}">
-        <p14:creationId xmlns:p14="http://schemas.microsoft.com/office/powerpoint/2010/main" val="1997271014"/>
+        <p14:creationId xmlns:p14="http://schemas.microsoft.com/office/powerpoint/2010/main" val="3959245720"/>
       </p:ext>
     </p:extLst>
   </p:cSld>
@@ -30953,7 +31531,7 @@
             </a:pPr>
             <a:fld id="{754A58C3-D815-42FE-8A0E-BF28211EFBE3}" type="datetime3">
               <a:rPr lang="en-US" smtClean="0"/>
-              <a:t>4 April 2023</a:t>
+              <a:t>30 April 2023</a:t>
             </a:fld>
             <a:endParaRPr lang="en-US"/>
           </a:p>
@@ -31023,16 +31601,730 @@
           <a:chExt cx="0" cy="0"/>
         </a:xfrm>
       </p:grpSpPr>
+      <p:sp>
+        <p:nvSpPr>
+          <p:cNvPr id="2" name="Title 1"/>
+          <p:cNvSpPr>
+            <a:spLocks noGrp="1"/>
+          </p:cNvSpPr>
+          <p:nvPr>
+            <p:ph type="title"/>
+          </p:nvPr>
+        </p:nvSpPr>
+        <p:spPr/>
+        <p:txBody>
+          <a:bodyPr/>
+          <a:lstStyle/>
+          <a:p>
+            <a:r>
+              <a:rPr lang="en-GB" dirty="0">
+                <a:solidFill>
+                  <a:srgbClr val="C00000"/>
+                </a:solidFill>
+                <a:effectLst>
+                  <a:outerShdw blurRad="38100" dist="38100" dir="2700000" algn="tl">
+                    <a:srgbClr val="000000">
+                      <a:alpha val="43137"/>
+                    </a:srgbClr>
+                  </a:outerShdw>
+                </a:effectLst>
+                <a:latin typeface="Times New Roman" pitchFamily="18" charset="0"/>
+                <a:cs typeface="Times New Roman" pitchFamily="18" charset="0"/>
+              </a:rPr>
+              <a:t>Exercises:</a:t>
+            </a:r>
+            <a:endParaRPr lang="en-GB" dirty="0"/>
+          </a:p>
+        </p:txBody>
+      </p:sp>
+      <p:sp>
+        <p:nvSpPr>
+          <p:cNvPr id="6" name="Content Placeholder 2"/>
+          <p:cNvSpPr>
+            <a:spLocks noGrp="1"/>
+          </p:cNvSpPr>
+          <p:nvPr>
+            <p:ph idx="1"/>
+          </p:nvPr>
+        </p:nvSpPr>
+        <p:spPr>
+          <a:xfrm>
+            <a:off x="796929" y="1676400"/>
+            <a:ext cx="7661275" cy="4114800"/>
+          </a:xfrm>
+        </p:spPr>
+        <p:txBody>
+          <a:bodyPr/>
+          <a:lstStyle/>
+          <a:p>
+            <a:pPr marL="0" indent="0">
+              <a:buNone/>
+            </a:pPr>
+            <a:r>
+              <a:rPr lang="en-GB" sz="3500" dirty="0">
+                <a:latin typeface="Times New Roman" pitchFamily="18" charset="0"/>
+                <a:cs typeface="Times New Roman" pitchFamily="18" charset="0"/>
+              </a:rPr>
+              <a:t>In your course tutorial exercises, </a:t>
+            </a:r>
+          </a:p>
+          <a:p>
+            <a:pPr>
+              <a:buClrTx/>
+              <a:buFont typeface="Wingdings" pitchFamily="2" charset="2"/>
+              <a:buChar char="q"/>
+            </a:pPr>
+            <a:r>
+              <a:rPr lang="en-GB" sz="3500" dirty="0">
+                <a:latin typeface="Times New Roman" pitchFamily="18" charset="0"/>
+                <a:cs typeface="Times New Roman" pitchFamily="18" charset="0"/>
+              </a:rPr>
+              <a:t>Question no. 01</a:t>
+            </a:r>
+          </a:p>
+          <a:p>
+            <a:pPr>
+              <a:buClrTx/>
+              <a:buFont typeface="Wingdings" pitchFamily="2" charset="2"/>
+              <a:buChar char="q"/>
+            </a:pPr>
+            <a:r>
+              <a:rPr lang="en-GB" sz="3500" dirty="0">
+                <a:latin typeface="Times New Roman" pitchFamily="18" charset="0"/>
+                <a:cs typeface="Times New Roman" pitchFamily="18" charset="0"/>
+              </a:rPr>
+              <a:t>Question no. 03</a:t>
+            </a:r>
+          </a:p>
+          <a:p>
+            <a:pPr>
+              <a:buClrTx/>
+              <a:buFont typeface="Wingdings" pitchFamily="2" charset="2"/>
+              <a:buChar char="q"/>
+            </a:pPr>
+            <a:r>
+              <a:rPr lang="en-GB" sz="3500" dirty="0">
+                <a:latin typeface="Times New Roman" pitchFamily="18" charset="0"/>
+                <a:cs typeface="Times New Roman" pitchFamily="18" charset="0"/>
+              </a:rPr>
+              <a:t>Question no. 12</a:t>
+            </a:r>
+          </a:p>
+          <a:p>
+            <a:pPr>
+              <a:buClrTx/>
+              <a:buFont typeface="Wingdings" pitchFamily="2" charset="2"/>
+              <a:buChar char="q"/>
+            </a:pPr>
+            <a:r>
+              <a:rPr lang="en-GB" sz="3500" dirty="0">
+                <a:latin typeface="Times New Roman" pitchFamily="18" charset="0"/>
+                <a:cs typeface="Times New Roman" pitchFamily="18" charset="0"/>
+              </a:rPr>
+              <a:t>Question no. 13</a:t>
+            </a:r>
+          </a:p>
+        </p:txBody>
+      </p:sp>
+      <p:sp>
+        <p:nvSpPr>
+          <p:cNvPr id="4" name="Slide Number Placeholder 3"/>
+          <p:cNvSpPr>
+            <a:spLocks noGrp="1"/>
+          </p:cNvSpPr>
+          <p:nvPr>
+            <p:ph type="sldNum" sz="quarter" idx="12"/>
+          </p:nvPr>
+        </p:nvSpPr>
+        <p:spPr/>
+        <p:txBody>
+          <a:bodyPr/>
+          <a:lstStyle/>
+          <a:p>
+            <a:pPr>
+              <a:defRPr/>
+            </a:pPr>
+            <a:fld id="{645ED874-4033-4CEE-AE69-D7CB222F48E6}" type="slidenum">
+              <a:rPr lang="en-US" smtClean="0"/>
+              <a:pPr>
+                <a:defRPr/>
+              </a:pPr>
+              <a:t>60</a:t>
+            </a:fld>
+            <a:endParaRPr lang="en-US"/>
+          </a:p>
+        </p:txBody>
+      </p:sp>
+      <p:sp>
+        <p:nvSpPr>
+          <p:cNvPr id="3" name="Date Placeholder 2">
+            <a:extLst>
+              <a:ext uri="{FF2B5EF4-FFF2-40B4-BE49-F238E27FC236}">
+                <a16:creationId xmlns:a16="http://schemas.microsoft.com/office/drawing/2014/main" id="{3B0D652A-A07B-48C4-ACF3-975E58EC8B2F}"/>
+              </a:ext>
+            </a:extLst>
+          </p:cNvPr>
+          <p:cNvSpPr>
+            <a:spLocks noGrp="1"/>
+          </p:cNvSpPr>
+          <p:nvPr>
+            <p:ph type="dt" sz="half" idx="10"/>
+          </p:nvPr>
+        </p:nvSpPr>
+        <p:spPr/>
+        <p:txBody>
+          <a:bodyPr/>
+          <a:lstStyle/>
+          <a:p>
+            <a:pPr>
+              <a:defRPr/>
+            </a:pPr>
+            <a:fld id="{F6931E58-3720-4433-BCC0-93EF419A61F9}" type="datetime3">
+              <a:rPr lang="en-US" smtClean="0"/>
+              <a:t>30 April 2023</a:t>
+            </a:fld>
+            <a:endParaRPr lang="en-US"/>
+          </a:p>
+        </p:txBody>
+      </p:sp>
+      <p:sp>
+        <p:nvSpPr>
+          <p:cNvPr id="5" name="Footer Placeholder 4">
+            <a:extLst>
+              <a:ext uri="{FF2B5EF4-FFF2-40B4-BE49-F238E27FC236}">
+                <a16:creationId xmlns:a16="http://schemas.microsoft.com/office/drawing/2014/main" id="{FB963F53-B588-469B-8D51-07E13057D2E7}"/>
+              </a:ext>
+            </a:extLst>
+          </p:cNvPr>
+          <p:cNvSpPr>
+            <a:spLocks noGrp="1"/>
+          </p:cNvSpPr>
+          <p:nvPr>
+            <p:ph type="ftr" sz="quarter" idx="11"/>
+          </p:nvPr>
+        </p:nvSpPr>
+        <p:spPr/>
+        <p:txBody>
+          <a:bodyPr/>
+          <a:lstStyle/>
+          <a:p>
+            <a:pPr>
+              <a:defRPr/>
+            </a:pPr>
+            <a:r>
+              <a:rPr lang="en-US"/>
+              <a:t>T. Mayooran</a:t>
+            </a:r>
+          </a:p>
+        </p:txBody>
+      </p:sp>
+    </p:spTree>
+    <p:extLst>
+      <p:ext uri="{BB962C8B-B14F-4D97-AF65-F5344CB8AC3E}">
+        <p14:creationId xmlns:p14="http://schemas.microsoft.com/office/powerpoint/2010/main" val="1997271014"/>
+      </p:ext>
+    </p:extLst>
+  </p:cSld>
+  <p:clrMapOvr>
+    <a:masterClrMapping/>
+  </p:clrMapOvr>
+  <p:transition spd="slow">
+    <p:wipe dir="r"/>
+  </p:transition>
+</p:sld>
+</file>
+
+<file path=ppt/slides/slide61.xml><?xml version="1.0" encoding="utf-8"?>
+<p:sld xmlns:a="http://schemas.openxmlformats.org/drawingml/2006/main" xmlns:r="http://schemas.openxmlformats.org/officeDocument/2006/relationships" xmlns:p="http://schemas.openxmlformats.org/presentationml/2006/main">
+  <p:cSld>
+    <p:spTree>
+      <p:nvGrpSpPr>
+        <p:cNvPr id="1" name=""/>
+        <p:cNvGrpSpPr/>
+        <p:nvPr/>
+      </p:nvGrpSpPr>
+      <p:grpSpPr>
+        <a:xfrm>
+          <a:off x="0" y="0"/>
+          <a:ext cx="0" cy="0"/>
+          <a:chOff x="0" y="0"/>
+          <a:chExt cx="0" cy="0"/>
+        </a:xfrm>
+      </p:grpSpPr>
+      <p:sp>
+        <p:nvSpPr>
+          <p:cNvPr id="90114" name="Date Placeholder 3">
+            <a:extLst>
+              <a:ext uri="{FF2B5EF4-FFF2-40B4-BE49-F238E27FC236}">
+                <a16:creationId xmlns:a16="http://schemas.microsoft.com/office/drawing/2014/main" id="{D9ACE885-E5F3-CE2C-25B9-950ABCF1B628}"/>
+              </a:ext>
+            </a:extLst>
+          </p:cNvPr>
+          <p:cNvSpPr>
+            <a:spLocks noGrp="1" noChangeArrowheads="1"/>
+          </p:cNvSpPr>
+          <p:nvPr>
+            <p:ph type="dt" sz="quarter" idx="10"/>
+          </p:nvPr>
+        </p:nvSpPr>
+        <p:spPr bwMode="auto">
+          <a:noFill/>
+          <a:extLst>
+            <a:ext uri="{909E8E84-426E-40DD-AFC4-6F175D3DCCD1}">
+              <a14:hiddenFill xmlns:a14="http://schemas.microsoft.com/office/drawing/2010/main">
+                <a:solidFill>
+                  <a:srgbClr val="FFFFFF"/>
+                </a:solidFill>
+              </a14:hiddenFill>
+            </a:ext>
+            <a:ext uri="{91240B29-F687-4F45-9708-019B960494DF}">
+              <a14:hiddenLine xmlns:a14="http://schemas.microsoft.com/office/drawing/2010/main" w="9525">
+                <a:solidFill>
+                  <a:srgbClr val="000000"/>
+                </a:solidFill>
+                <a:miter lim="800000"/>
+                <a:headEnd/>
+                <a:tailEnd/>
+              </a14:hiddenLine>
+            </a:ext>
+          </a:extLst>
+        </p:spPr>
+        <p:txBody>
+          <a:bodyPr wrap="square" lIns="91440" tIns="45720" rIns="91440" bIns="45720" numCol="1" anchor="t" anchorCtr="0" compatLnSpc="1">
+            <a:prstTxWarp prst="textNoShape">
+              <a:avLst/>
+            </a:prstTxWarp>
+          </a:bodyPr>
+          <a:lstStyle>
+            <a:lvl1pPr>
+              <a:defRPr sz="2400">
+                <a:solidFill>
+                  <a:schemeClr val="tx1"/>
+                </a:solidFill>
+                <a:latin typeface="Times New Roman" panose="02020603050405020304" pitchFamily="18" charset="0"/>
+              </a:defRPr>
+            </a:lvl1pPr>
+            <a:lvl2pPr marL="742950" indent="-285750">
+              <a:defRPr sz="2400">
+                <a:solidFill>
+                  <a:schemeClr val="tx1"/>
+                </a:solidFill>
+                <a:latin typeface="Times New Roman" panose="02020603050405020304" pitchFamily="18" charset="0"/>
+              </a:defRPr>
+            </a:lvl2pPr>
+            <a:lvl3pPr marL="1143000" indent="-228600">
+              <a:defRPr sz="2400">
+                <a:solidFill>
+                  <a:schemeClr val="tx1"/>
+                </a:solidFill>
+                <a:latin typeface="Times New Roman" panose="02020603050405020304" pitchFamily="18" charset="0"/>
+              </a:defRPr>
+            </a:lvl3pPr>
+            <a:lvl4pPr marL="1600200" indent="-228600">
+              <a:defRPr sz="2400">
+                <a:solidFill>
+                  <a:schemeClr val="tx1"/>
+                </a:solidFill>
+                <a:latin typeface="Times New Roman" panose="02020603050405020304" pitchFamily="18" charset="0"/>
+              </a:defRPr>
+            </a:lvl4pPr>
+            <a:lvl5pPr marL="2057400" indent="-228600">
+              <a:defRPr sz="2400">
+                <a:solidFill>
+                  <a:schemeClr val="tx1"/>
+                </a:solidFill>
+                <a:latin typeface="Times New Roman" panose="02020603050405020304" pitchFamily="18" charset="0"/>
+              </a:defRPr>
+            </a:lvl5pPr>
+            <a:lvl6pPr marL="2514600" indent="-228600" eaLnBrk="0" fontAlgn="base" hangingPunct="0">
+              <a:spcBef>
+                <a:spcPct val="0"/>
+              </a:spcBef>
+              <a:spcAft>
+                <a:spcPct val="0"/>
+              </a:spcAft>
+              <a:defRPr sz="2400">
+                <a:solidFill>
+                  <a:schemeClr val="tx1"/>
+                </a:solidFill>
+                <a:latin typeface="Times New Roman" panose="02020603050405020304" pitchFamily="18" charset="0"/>
+              </a:defRPr>
+            </a:lvl6pPr>
+            <a:lvl7pPr marL="2971800" indent="-228600" eaLnBrk="0" fontAlgn="base" hangingPunct="0">
+              <a:spcBef>
+                <a:spcPct val="0"/>
+              </a:spcBef>
+              <a:spcAft>
+                <a:spcPct val="0"/>
+              </a:spcAft>
+              <a:defRPr sz="2400">
+                <a:solidFill>
+                  <a:schemeClr val="tx1"/>
+                </a:solidFill>
+                <a:latin typeface="Times New Roman" panose="02020603050405020304" pitchFamily="18" charset="0"/>
+              </a:defRPr>
+            </a:lvl7pPr>
+            <a:lvl8pPr marL="3429000" indent="-228600" eaLnBrk="0" fontAlgn="base" hangingPunct="0">
+              <a:spcBef>
+                <a:spcPct val="0"/>
+              </a:spcBef>
+              <a:spcAft>
+                <a:spcPct val="0"/>
+              </a:spcAft>
+              <a:defRPr sz="2400">
+                <a:solidFill>
+                  <a:schemeClr val="tx1"/>
+                </a:solidFill>
+                <a:latin typeface="Times New Roman" panose="02020603050405020304" pitchFamily="18" charset="0"/>
+              </a:defRPr>
+            </a:lvl8pPr>
+            <a:lvl9pPr marL="3886200" indent="-228600" eaLnBrk="0" fontAlgn="base" hangingPunct="0">
+              <a:spcBef>
+                <a:spcPct val="0"/>
+              </a:spcBef>
+              <a:spcAft>
+                <a:spcPct val="0"/>
+              </a:spcAft>
+              <a:defRPr sz="2400">
+                <a:solidFill>
+                  <a:schemeClr val="tx1"/>
+                </a:solidFill>
+                <a:latin typeface="Times New Roman" panose="02020603050405020304" pitchFamily="18" charset="0"/>
+              </a:defRPr>
+            </a:lvl9pPr>
+          </a:lstStyle>
+          <a:p>
+            <a:fld id="{7553CC87-BBB7-47F7-9F16-FCE151BEE5BD}" type="datetime2">
+              <a:rPr lang="en-US" altLang="en-US" sz="1400">
+                <a:solidFill>
+                  <a:srgbClr val="FFFFFF"/>
+                </a:solidFill>
+              </a:rPr>
+              <a:pPr/>
+              <a:t>Sunday, April 30, 2023</a:t>
+            </a:fld>
+            <a:endParaRPr lang="en-US" altLang="en-US" sz="1400">
+              <a:solidFill>
+                <a:srgbClr val="FFFFFF"/>
+              </a:solidFill>
+            </a:endParaRPr>
+          </a:p>
+        </p:txBody>
+      </p:sp>
+      <p:sp>
+        <p:nvSpPr>
+          <p:cNvPr id="5" name="Slide Number Placeholder 4">
+            <a:extLst>
+              <a:ext uri="{FF2B5EF4-FFF2-40B4-BE49-F238E27FC236}">
+                <a16:creationId xmlns:a16="http://schemas.microsoft.com/office/drawing/2014/main" id="{AF29BF66-CCFA-5B0C-BA97-728221FF60D3}"/>
+              </a:ext>
+            </a:extLst>
+          </p:cNvPr>
+          <p:cNvSpPr>
+            <a:spLocks noGrp="1"/>
+          </p:cNvSpPr>
+          <p:nvPr>
+            <p:ph type="sldNum" sz="quarter" idx="12"/>
+          </p:nvPr>
+        </p:nvSpPr>
+        <p:spPr/>
+        <p:txBody>
+          <a:bodyPr/>
+          <a:lstStyle/>
+          <a:p>
+            <a:pPr>
+              <a:defRPr/>
+            </a:pPr>
+            <a:fld id="{39DD50EE-8851-4B42-A4D3-0A5F7FE914BD}" type="slidenum">
+              <a:rPr lang="en-US" smtClean="0"/>
+              <a:pPr>
+                <a:defRPr/>
+              </a:pPr>
+              <a:t>61</a:t>
+            </a:fld>
+            <a:endParaRPr lang="en-US"/>
+          </a:p>
+        </p:txBody>
+      </p:sp>
+      <p:sp>
+        <p:nvSpPr>
+          <p:cNvPr id="90117" name="Footer Placeholder 5">
+            <a:extLst>
+              <a:ext uri="{FF2B5EF4-FFF2-40B4-BE49-F238E27FC236}">
+                <a16:creationId xmlns:a16="http://schemas.microsoft.com/office/drawing/2014/main" id="{37EA34B7-B87A-1787-8CA5-44DA159E14E7}"/>
+              </a:ext>
+            </a:extLst>
+          </p:cNvPr>
+          <p:cNvSpPr>
+            <a:spLocks noGrp="1" noChangeArrowheads="1"/>
+          </p:cNvSpPr>
+          <p:nvPr>
+            <p:ph type="ftr" sz="quarter" idx="11"/>
+          </p:nvPr>
+        </p:nvSpPr>
+        <p:spPr bwMode="auto">
+          <a:noFill/>
+          <a:extLst>
+            <a:ext uri="{909E8E84-426E-40DD-AFC4-6F175D3DCCD1}">
+              <a14:hiddenFill xmlns:a14="http://schemas.microsoft.com/office/drawing/2010/main">
+                <a:solidFill>
+                  <a:srgbClr val="FFFFFF"/>
+                </a:solidFill>
+              </a14:hiddenFill>
+            </a:ext>
+            <a:ext uri="{91240B29-F687-4F45-9708-019B960494DF}">
+              <a14:hiddenLine xmlns:a14="http://schemas.microsoft.com/office/drawing/2010/main" w="9525">
+                <a:solidFill>
+                  <a:srgbClr val="000000"/>
+                </a:solidFill>
+                <a:miter lim="800000"/>
+                <a:headEnd/>
+                <a:tailEnd/>
+              </a14:hiddenLine>
+            </a:ext>
+          </a:extLst>
+        </p:spPr>
+        <p:txBody>
+          <a:bodyPr wrap="square" lIns="91440" tIns="45720" rIns="91440" bIns="45720" numCol="1" anchor="t" anchorCtr="0" compatLnSpc="1">
+            <a:prstTxWarp prst="textNoShape">
+              <a:avLst/>
+            </a:prstTxWarp>
+          </a:bodyPr>
+          <a:lstStyle>
+            <a:lvl1pPr>
+              <a:defRPr sz="2400">
+                <a:solidFill>
+                  <a:schemeClr val="tx1"/>
+                </a:solidFill>
+                <a:latin typeface="Times New Roman" panose="02020603050405020304" pitchFamily="18" charset="0"/>
+              </a:defRPr>
+            </a:lvl1pPr>
+            <a:lvl2pPr marL="742950" indent="-285750">
+              <a:defRPr sz="2400">
+                <a:solidFill>
+                  <a:schemeClr val="tx1"/>
+                </a:solidFill>
+                <a:latin typeface="Times New Roman" panose="02020603050405020304" pitchFamily="18" charset="0"/>
+              </a:defRPr>
+            </a:lvl2pPr>
+            <a:lvl3pPr marL="1143000" indent="-228600">
+              <a:defRPr sz="2400">
+                <a:solidFill>
+                  <a:schemeClr val="tx1"/>
+                </a:solidFill>
+                <a:latin typeface="Times New Roman" panose="02020603050405020304" pitchFamily="18" charset="0"/>
+              </a:defRPr>
+            </a:lvl3pPr>
+            <a:lvl4pPr marL="1600200" indent="-228600">
+              <a:defRPr sz="2400">
+                <a:solidFill>
+                  <a:schemeClr val="tx1"/>
+                </a:solidFill>
+                <a:latin typeface="Times New Roman" panose="02020603050405020304" pitchFamily="18" charset="0"/>
+              </a:defRPr>
+            </a:lvl4pPr>
+            <a:lvl5pPr marL="2057400" indent="-228600">
+              <a:defRPr sz="2400">
+                <a:solidFill>
+                  <a:schemeClr val="tx1"/>
+                </a:solidFill>
+                <a:latin typeface="Times New Roman" panose="02020603050405020304" pitchFamily="18" charset="0"/>
+              </a:defRPr>
+            </a:lvl5pPr>
+            <a:lvl6pPr marL="2514600" indent="-228600" eaLnBrk="0" fontAlgn="base" hangingPunct="0">
+              <a:spcBef>
+                <a:spcPct val="0"/>
+              </a:spcBef>
+              <a:spcAft>
+                <a:spcPct val="0"/>
+              </a:spcAft>
+              <a:defRPr sz="2400">
+                <a:solidFill>
+                  <a:schemeClr val="tx1"/>
+                </a:solidFill>
+                <a:latin typeface="Times New Roman" panose="02020603050405020304" pitchFamily="18" charset="0"/>
+              </a:defRPr>
+            </a:lvl6pPr>
+            <a:lvl7pPr marL="2971800" indent="-228600" eaLnBrk="0" fontAlgn="base" hangingPunct="0">
+              <a:spcBef>
+                <a:spcPct val="0"/>
+              </a:spcBef>
+              <a:spcAft>
+                <a:spcPct val="0"/>
+              </a:spcAft>
+              <a:defRPr sz="2400">
+                <a:solidFill>
+                  <a:schemeClr val="tx1"/>
+                </a:solidFill>
+                <a:latin typeface="Times New Roman" panose="02020603050405020304" pitchFamily="18" charset="0"/>
+              </a:defRPr>
+            </a:lvl7pPr>
+            <a:lvl8pPr marL="3429000" indent="-228600" eaLnBrk="0" fontAlgn="base" hangingPunct="0">
+              <a:spcBef>
+                <a:spcPct val="0"/>
+              </a:spcBef>
+              <a:spcAft>
+                <a:spcPct val="0"/>
+              </a:spcAft>
+              <a:defRPr sz="2400">
+                <a:solidFill>
+                  <a:schemeClr val="tx1"/>
+                </a:solidFill>
+                <a:latin typeface="Times New Roman" panose="02020603050405020304" pitchFamily="18" charset="0"/>
+              </a:defRPr>
+            </a:lvl8pPr>
+            <a:lvl9pPr marL="3886200" indent="-228600" eaLnBrk="0" fontAlgn="base" hangingPunct="0">
+              <a:spcBef>
+                <a:spcPct val="0"/>
+              </a:spcBef>
+              <a:spcAft>
+                <a:spcPct val="0"/>
+              </a:spcAft>
+              <a:defRPr sz="2400">
+                <a:solidFill>
+                  <a:schemeClr val="tx1"/>
+                </a:solidFill>
+                <a:latin typeface="Times New Roman" panose="02020603050405020304" pitchFamily="18" charset="0"/>
+              </a:defRPr>
+            </a:lvl9pPr>
+          </a:lstStyle>
+          <a:p>
+            <a:r>
+              <a:rPr lang="en-US" altLang="en-US" sz="1200">
+                <a:solidFill>
+                  <a:srgbClr val="FFFFFF"/>
+                </a:solidFill>
+              </a:rPr>
+              <a:t>MC3020</a:t>
+            </a:r>
+          </a:p>
+        </p:txBody>
+      </p:sp>
+      <p:sp>
+        <p:nvSpPr>
+          <p:cNvPr id="3" name="TextBox 2">
+            <a:extLst>
+              <a:ext uri="{FF2B5EF4-FFF2-40B4-BE49-F238E27FC236}">
+                <a16:creationId xmlns:a16="http://schemas.microsoft.com/office/drawing/2014/main" id="{5C86C50B-7B7B-66D7-95BB-6222A8749EE0}"/>
+              </a:ext>
+            </a:extLst>
+          </p:cNvPr>
+          <p:cNvSpPr txBox="1"/>
+          <p:nvPr/>
+        </p:nvSpPr>
+        <p:spPr>
+          <a:xfrm>
+            <a:off x="152400" y="1468438"/>
+            <a:ext cx="8763000" cy="4031873"/>
+          </a:xfrm>
+          <a:prstGeom prst="rect">
+            <a:avLst/>
+          </a:prstGeom>
+          <a:noFill/>
+        </p:spPr>
+        <p:txBody>
+          <a:bodyPr wrap="square">
+            <a:spAutoFit/>
+          </a:bodyPr>
+          <a:lstStyle/>
+          <a:p>
+            <a:pPr algn="just"/>
+            <a:r>
+              <a:rPr lang="en-US" sz="3200" b="0" i="0" u="none" strike="noStrike" baseline="0" dirty="0">
+                <a:solidFill>
+                  <a:srgbClr val="000000"/>
+                </a:solidFill>
+                <a:cs typeface="Times New Roman" panose="02020603050405020304" pitchFamily="18" charset="0"/>
+              </a:rPr>
+              <a:t>Don’t hesitate to contact us if you have any questions about this course’s teaching contents. Also, don’t forget to check out the course page and Microsoft Team folder,</a:t>
+            </a:r>
+          </a:p>
+          <a:p>
+            <a:pPr marL="457200" indent="-457200">
+              <a:buFont typeface="Arial" panose="020B0604020202020204" pitchFamily="34" charset="0"/>
+              <a:buChar char="•"/>
+            </a:pPr>
+            <a:r>
+              <a:rPr lang="fr-FR" sz="3200" b="0" i="0" u="none" strike="noStrike" baseline="0" dirty="0">
+                <a:solidFill>
+                  <a:srgbClr val="000000"/>
+                </a:solidFill>
+                <a:cs typeface="Times New Roman" panose="02020603050405020304" pitchFamily="18" charset="0"/>
+              </a:rPr>
+              <a:t>course page </a:t>
+            </a:r>
+            <a:r>
+              <a:rPr lang="fr-FR" sz="3200" b="0" i="0" u="none" strike="noStrike" baseline="0" dirty="0">
+                <a:solidFill>
+                  <a:srgbClr val="0000FF"/>
+                </a:solidFill>
+                <a:cs typeface="Times New Roman" panose="02020603050405020304" pitchFamily="18" charset="0"/>
+                <a:hlinkClick r:id="rId2"/>
+              </a:rPr>
+              <a:t>https://mayooran1987.github.io/MC3020/</a:t>
+            </a:r>
+            <a:endParaRPr lang="fr-FR" sz="3200" b="0" i="0" u="none" strike="noStrike" baseline="0" dirty="0">
+              <a:solidFill>
+                <a:srgbClr val="0000FF"/>
+              </a:solidFill>
+              <a:cs typeface="Times New Roman" panose="02020603050405020304" pitchFamily="18" charset="0"/>
+            </a:endParaRPr>
+          </a:p>
+          <a:p>
+            <a:pPr algn="just"/>
+            <a:endParaRPr lang="fr-FR" sz="3200" b="0" i="0" u="none" strike="noStrike" baseline="0" dirty="0">
+              <a:solidFill>
+                <a:srgbClr val="0000FF"/>
+              </a:solidFill>
+              <a:cs typeface="Times New Roman" panose="02020603050405020304" pitchFamily="18" charset="0"/>
+            </a:endParaRPr>
+          </a:p>
+          <a:p>
+            <a:pPr marL="457200" indent="-457200" algn="just">
+              <a:buFont typeface="Arial" panose="020B0604020202020204" pitchFamily="34" charset="0"/>
+              <a:buChar char="•"/>
+            </a:pPr>
+            <a:r>
+              <a:rPr lang="en-US" sz="3200" b="0" i="0" u="none" strike="noStrike" baseline="0" dirty="0">
+                <a:solidFill>
+                  <a:srgbClr val="000000"/>
+                </a:solidFill>
+                <a:cs typeface="Times New Roman" panose="02020603050405020304" pitchFamily="18" charset="0"/>
+              </a:rPr>
+              <a:t>Microsoft Team folder </a:t>
+            </a:r>
+            <a:r>
+              <a:rPr lang="en-US" sz="3200" b="0" i="0" u="none" strike="noStrike" baseline="0" dirty="0">
+                <a:solidFill>
+                  <a:srgbClr val="0000FF"/>
+                </a:solidFill>
+                <a:cs typeface="Times New Roman" panose="02020603050405020304" pitchFamily="18" charset="0"/>
+                <a:hlinkClick r:id="rId3"/>
+              </a:rPr>
+              <a:t>link</a:t>
+            </a:r>
+            <a:endParaRPr lang="en-US" sz="3200" dirty="0">
+              <a:cs typeface="Times New Roman" panose="02020603050405020304" pitchFamily="18" charset="0"/>
+            </a:endParaRPr>
+          </a:p>
+        </p:txBody>
+      </p:sp>
       <p:pic>
         <p:nvPicPr>
-          <p:cNvPr id="4098" name="Picture 2"/>
+          <p:cNvPr id="2" name="Picture 2">
+            <a:extLst>
+              <a:ext uri="{FF2B5EF4-FFF2-40B4-BE49-F238E27FC236}">
+                <a16:creationId xmlns:a16="http://schemas.microsoft.com/office/drawing/2014/main" id="{6CBF706D-6077-BF0D-1F47-01E87F9E2E19}"/>
+              </a:ext>
+            </a:extLst>
+          </p:cNvPr>
           <p:cNvPicPr>
             <a:picLocks noChangeAspect="1" noChangeArrowheads="1"/>
           </p:cNvPicPr>
           <p:nvPr/>
         </p:nvPicPr>
         <p:blipFill>
-          <a:blip r:embed="rId2">
+          <a:blip r:embed="rId4" cstate="print">
             <a:extLst>
               <a:ext uri="{28A0092B-C50C-407E-A947-70E740481C1C}">
                 <a14:useLocalDpi xmlns:a14="http://schemas.microsoft.com/office/drawing/2010/main" val="0"/>
@@ -31046,8 +32338,8 @@
         </p:blipFill>
         <p:spPr bwMode="auto">
           <a:xfrm>
-            <a:off x="4368800" y="2209800"/>
-            <a:ext cx="3759200" cy="2819400"/>
+            <a:off x="5816600" y="4452561"/>
+            <a:ext cx="2394452" cy="1795839"/>
           </a:xfrm>
           <a:prstGeom prst="rect">
             <a:avLst/>
@@ -31087,207 +32379,7 @@
           </a:extLst>
         </p:spPr>
       </p:pic>
-      <p:sp>
-        <p:nvSpPr>
-          <p:cNvPr id="4" name="Slide Number Placeholder 3"/>
-          <p:cNvSpPr>
-            <a:spLocks noGrp="1"/>
-          </p:cNvSpPr>
-          <p:nvPr>
-            <p:ph type="sldNum" sz="quarter" idx="12"/>
-          </p:nvPr>
-        </p:nvSpPr>
-        <p:spPr/>
-        <p:txBody>
-          <a:bodyPr/>
-          <a:lstStyle/>
-          <a:p>
-            <a:pPr>
-              <a:defRPr/>
-            </a:pPr>
-            <a:fld id="{D04035A3-F0E6-4F56-B6BB-121338858F57}" type="slidenum">
-              <a:rPr lang="en-US" smtClean="0"/>
-              <a:pPr>
-                <a:defRPr/>
-              </a:pPr>
-              <a:t>60</a:t>
-            </a:fld>
-            <a:endParaRPr lang="en-US"/>
-          </a:p>
-        </p:txBody>
-      </p:sp>
-      <p:sp>
-        <p:nvSpPr>
-          <p:cNvPr id="2" name="Date Placeholder 1">
-            <a:extLst>
-              <a:ext uri="{FF2B5EF4-FFF2-40B4-BE49-F238E27FC236}">
-                <a16:creationId xmlns:a16="http://schemas.microsoft.com/office/drawing/2014/main" id="{47E5F1A7-8A71-44D2-876A-82320295499E}"/>
-              </a:ext>
-            </a:extLst>
-          </p:cNvPr>
-          <p:cNvSpPr>
-            <a:spLocks noGrp="1"/>
-          </p:cNvSpPr>
-          <p:nvPr>
-            <p:ph type="dt" sz="half" idx="10"/>
-          </p:nvPr>
-        </p:nvSpPr>
-        <p:spPr/>
-        <p:txBody>
-          <a:bodyPr/>
-          <a:lstStyle/>
-          <a:p>
-            <a:pPr>
-              <a:defRPr/>
-            </a:pPr>
-            <a:fld id="{D0B71D26-ADEB-49D1-B3B7-7EAB7DD13358}" type="datetime3">
-              <a:rPr lang="en-US" smtClean="0"/>
-              <a:t>4 April 2023</a:t>
-            </a:fld>
-            <a:endParaRPr lang="en-US"/>
-          </a:p>
-        </p:txBody>
-      </p:sp>
-      <p:sp>
-        <p:nvSpPr>
-          <p:cNvPr id="3" name="Footer Placeholder 2">
-            <a:extLst>
-              <a:ext uri="{FF2B5EF4-FFF2-40B4-BE49-F238E27FC236}">
-                <a16:creationId xmlns:a16="http://schemas.microsoft.com/office/drawing/2014/main" id="{1F382571-90F0-4BA9-A969-CD3ECF85ECEC}"/>
-              </a:ext>
-            </a:extLst>
-          </p:cNvPr>
-          <p:cNvSpPr>
-            <a:spLocks noGrp="1"/>
-          </p:cNvSpPr>
-          <p:nvPr>
-            <p:ph type="ftr" sz="quarter" idx="11"/>
-          </p:nvPr>
-        </p:nvSpPr>
-        <p:spPr/>
-        <p:txBody>
-          <a:bodyPr/>
-          <a:lstStyle/>
-          <a:p>
-            <a:pPr>
-              <a:defRPr/>
-            </a:pPr>
-            <a:r>
-              <a:rPr lang="en-US"/>
-              <a:t>T. Mayooran</a:t>
-            </a:r>
-          </a:p>
-        </p:txBody>
-      </p:sp>
-      <p:sp>
-        <p:nvSpPr>
-          <p:cNvPr id="5" name="Rectangle 4">
-            <a:extLst>
-              <a:ext uri="{FF2B5EF4-FFF2-40B4-BE49-F238E27FC236}">
-                <a16:creationId xmlns:a16="http://schemas.microsoft.com/office/drawing/2014/main" id="{7DBC97B0-2CBC-4B82-81D5-8855BE2FAF27}"/>
-              </a:ext>
-            </a:extLst>
-          </p:cNvPr>
-          <p:cNvSpPr/>
-          <p:nvPr/>
-        </p:nvSpPr>
-        <p:spPr>
-          <a:xfrm>
-            <a:off x="1981200" y="2690336"/>
-            <a:ext cx="3142206" cy="1060547"/>
-          </a:xfrm>
-          <a:prstGeom prst="rect">
-            <a:avLst/>
-          </a:prstGeom>
-        </p:spPr>
-        <p:txBody>
-          <a:bodyPr wrap="none">
-            <a:spAutoFit/>
-          </a:bodyPr>
-          <a:lstStyle/>
-          <a:p>
-            <a:pPr algn="ctr" eaLnBrk="1" hangingPunct="1">
-              <a:lnSpc>
-                <a:spcPct val="120000"/>
-              </a:lnSpc>
-            </a:pPr>
-            <a:r>
-              <a:rPr lang="en-US" dirty="0">
-                <a:solidFill>
-                  <a:srgbClr val="7030A0"/>
-                </a:solidFill>
-                <a:latin typeface="Times New Roman" panose="02020603050405020304" pitchFamily="18" charset="0"/>
-                <a:cs typeface="Times New Roman" panose="02020603050405020304" pitchFamily="18" charset="0"/>
-              </a:rPr>
-              <a:t>Email: </a:t>
-            </a:r>
-            <a:r>
-              <a:rPr lang="en-US" dirty="0">
-                <a:solidFill>
-                  <a:srgbClr val="003399"/>
-                </a:solidFill>
-                <a:latin typeface="Times New Roman" panose="02020603050405020304" pitchFamily="18" charset="0"/>
-                <a:cs typeface="Times New Roman" panose="02020603050405020304" pitchFamily="18" charset="0"/>
-                <a:hlinkClick r:id="rId3">
-                  <a:extLst>
-                    <a:ext uri="{A12FA001-AC4F-418D-AE19-62706E023703}">
-                      <ahyp:hlinkClr xmlns:ahyp="http://schemas.microsoft.com/office/drawing/2018/hyperlinkcolor" val="tx"/>
-                    </a:ext>
-                  </a:extLst>
-                </a:hlinkClick>
-              </a:rPr>
-              <a:t>mayooran@eng.jfn.ac.lk</a:t>
-            </a:r>
-            <a:endParaRPr lang="en-US" dirty="0">
-              <a:solidFill>
-                <a:srgbClr val="003399"/>
-              </a:solidFill>
-              <a:latin typeface="Times New Roman" panose="02020603050405020304" pitchFamily="18" charset="0"/>
-              <a:cs typeface="Times New Roman" panose="02020603050405020304" pitchFamily="18" charset="0"/>
-            </a:endParaRPr>
-          </a:p>
-          <a:p>
-            <a:pPr algn="ctr" eaLnBrk="1" hangingPunct="1">
-              <a:lnSpc>
-                <a:spcPct val="120000"/>
-              </a:lnSpc>
-            </a:pPr>
-            <a:r>
-              <a:rPr lang="en-US" dirty="0">
-                <a:solidFill>
-                  <a:srgbClr val="C00000"/>
-                </a:solidFill>
-                <a:latin typeface="Times New Roman" panose="02020603050405020304" pitchFamily="18" charset="0"/>
-                <a:cs typeface="Times New Roman" panose="02020603050405020304" pitchFamily="18" charset="0"/>
-              </a:rPr>
-              <a:t>Or</a:t>
-            </a:r>
-          </a:p>
-          <a:p>
-            <a:pPr algn="ctr" eaLnBrk="1" hangingPunct="1">
-              <a:lnSpc>
-                <a:spcPct val="120000"/>
-              </a:lnSpc>
-            </a:pPr>
-            <a:r>
-              <a:rPr lang="en-US" dirty="0">
-                <a:solidFill>
-                  <a:srgbClr val="7030A0"/>
-                </a:solidFill>
-                <a:latin typeface="Times New Roman" panose="02020603050405020304" pitchFamily="18" charset="0"/>
-                <a:cs typeface="Times New Roman" panose="02020603050405020304" pitchFamily="18" charset="0"/>
-              </a:rPr>
-              <a:t>Contact with your Tutors</a:t>
-            </a:r>
-          </a:p>
-        </p:txBody>
-      </p:sp>
     </p:spTree>
-    <p:extLst>
-      <p:ext uri="{BB962C8B-B14F-4D97-AF65-F5344CB8AC3E}">
-        <p14:creationId xmlns:p14="http://schemas.microsoft.com/office/powerpoint/2010/main" val="382630056"/>
-      </p:ext>
-    </p:extLst>
   </p:cSld>
   <p:clrMapOvr>
     <a:masterClrMapping/>
@@ -31298,7 +32390,7 @@
 </p:sld>
 </file>
 
-<file path=ppt/slides/slide61.xml><?xml version="1.0" encoding="utf-8"?>
+<file path=ppt/slides/slide62.xml><?xml version="1.0" encoding="utf-8"?>
 <p:sld xmlns:a="http://schemas.openxmlformats.org/drawingml/2006/main" xmlns:r="http://schemas.openxmlformats.org/officeDocument/2006/relationships" xmlns:p="http://schemas.openxmlformats.org/presentationml/2006/main">
   <p:cSld>
     <p:spTree>
@@ -33599,7 +34691,7 @@
             </a:pPr>
             <a:fld id="{C93ED6A8-3DFA-4452-A8D0-7232426E2736}" type="datetime3">
               <a:rPr lang="en-US" smtClean="0"/>
-              <a:t>4 April 2023</a:t>
+              <a:t>30 April 2023</a:t>
             </a:fld>
             <a:endParaRPr lang="en-US"/>
           </a:p>
@@ -34530,7 +35622,7 @@
             </a:pPr>
             <a:fld id="{5DC17382-FDB2-4AB7-9274-D58CD3D00F77}" type="datetime3">
               <a:rPr lang="en-US" smtClean="0"/>
-              <a:t>4 April 2023</a:t>
+              <a:t>30 April 2023</a:t>
             </a:fld>
             <a:endParaRPr lang="en-US"/>
           </a:p>
